--- a/求职/2019工作总结汇报.pptx
+++ b/求职/2019工作总结汇报.pptx
@@ -3749,7 +3749,7 @@
                 <a:solidFill>
                   <a:schemeClr val="tx1"/>
                 </a:solidFill>
-                <a:latin typeface="Arial" panose="020B0604020202090204" pitchFamily="34" charset="0"/>
+                <a:latin typeface="Arial" panose="020B0604020202020204" pitchFamily="34" charset="0"/>
                 <a:ea typeface="微软雅黑" panose="020B0503020204020204" pitchFamily="34" charset="-122"/>
               </a:defRPr>
             </a:lvl1pPr>
@@ -3758,7 +3758,7 @@
                 <a:solidFill>
                   <a:schemeClr val="tx1"/>
                 </a:solidFill>
-                <a:latin typeface="Arial" panose="020B0604020202090204" pitchFamily="34" charset="0"/>
+                <a:latin typeface="Arial" panose="020B0604020202020204" pitchFamily="34" charset="0"/>
                 <a:ea typeface="微软雅黑" panose="020B0503020204020204" pitchFamily="34" charset="-122"/>
               </a:defRPr>
             </a:lvl2pPr>
@@ -3767,7 +3767,7 @@
                 <a:solidFill>
                   <a:schemeClr val="tx1"/>
                 </a:solidFill>
-                <a:latin typeface="Arial" panose="020B0604020202090204" pitchFamily="34" charset="0"/>
+                <a:latin typeface="Arial" panose="020B0604020202020204" pitchFamily="34" charset="0"/>
                 <a:ea typeface="微软雅黑" panose="020B0503020204020204" pitchFamily="34" charset="-122"/>
               </a:defRPr>
             </a:lvl3pPr>
@@ -3776,7 +3776,7 @@
                 <a:solidFill>
                   <a:schemeClr val="tx1"/>
                 </a:solidFill>
-                <a:latin typeface="Arial" panose="020B0604020202090204" pitchFamily="34" charset="0"/>
+                <a:latin typeface="Arial" panose="020B0604020202020204" pitchFamily="34" charset="0"/>
                 <a:ea typeface="微软雅黑" panose="020B0503020204020204" pitchFamily="34" charset="-122"/>
               </a:defRPr>
             </a:lvl4pPr>
@@ -3785,7 +3785,7 @@
                 <a:solidFill>
                   <a:schemeClr val="tx1"/>
                 </a:solidFill>
-                <a:latin typeface="Arial" panose="020B0604020202090204" pitchFamily="34" charset="0"/>
+                <a:latin typeface="Arial" panose="020B0604020202020204" pitchFamily="34" charset="0"/>
                 <a:ea typeface="微软雅黑" panose="020B0503020204020204" pitchFamily="34" charset="-122"/>
               </a:defRPr>
             </a:lvl5pPr>
@@ -3800,7 +3800,7 @@
                 <a:solidFill>
                   <a:schemeClr val="tx1"/>
                 </a:solidFill>
-                <a:latin typeface="Arial" panose="020B0604020202090204" pitchFamily="34" charset="0"/>
+                <a:latin typeface="Arial" panose="020B0604020202020204" pitchFamily="34" charset="0"/>
                 <a:ea typeface="微软雅黑" panose="020B0503020204020204" pitchFamily="34" charset="-122"/>
               </a:defRPr>
             </a:lvl6pPr>
@@ -3815,7 +3815,7 @@
                 <a:solidFill>
                   <a:schemeClr val="tx1"/>
                 </a:solidFill>
-                <a:latin typeface="Arial" panose="020B0604020202090204" pitchFamily="34" charset="0"/>
+                <a:latin typeface="Arial" panose="020B0604020202020204" pitchFamily="34" charset="0"/>
                 <a:ea typeface="微软雅黑" panose="020B0503020204020204" pitchFamily="34" charset="-122"/>
               </a:defRPr>
             </a:lvl7pPr>
@@ -3830,7 +3830,7 @@
                 <a:solidFill>
                   <a:schemeClr val="tx1"/>
                 </a:solidFill>
-                <a:latin typeface="Arial" panose="020B0604020202090204" pitchFamily="34" charset="0"/>
+                <a:latin typeface="Arial" panose="020B0604020202020204" pitchFamily="34" charset="0"/>
                 <a:ea typeface="微软雅黑" panose="020B0503020204020204" pitchFamily="34" charset="-122"/>
               </a:defRPr>
             </a:lvl8pPr>
@@ -3845,7 +3845,7 @@
                 <a:solidFill>
                   <a:schemeClr val="tx1"/>
                 </a:solidFill>
-                <a:latin typeface="Arial" panose="020B0604020202090204" pitchFamily="34" charset="0"/>
+                <a:latin typeface="Arial" panose="020B0604020202020204" pitchFamily="34" charset="0"/>
                 <a:ea typeface="微软雅黑" panose="020B0503020204020204" pitchFamily="34" charset="-122"/>
               </a:defRPr>
             </a:lvl9pPr>
@@ -7328,7 +7328,7 @@
         <a:spcBef>
           <a:spcPct val="20000"/>
         </a:spcBef>
-        <a:buFont typeface="Arial" panose="020B0604020202090204" pitchFamily="34" charset="0"/>
+        <a:buFont typeface="Arial" panose="020B0604020202020204" pitchFamily="34" charset="0"/>
         <a:buChar char="•"/>
         <a:defRPr sz="3200" kern="1200">
           <a:solidFill>
@@ -7343,7 +7343,7 @@
         <a:spcBef>
           <a:spcPct val="20000"/>
         </a:spcBef>
-        <a:buFont typeface="Arial" panose="020B0604020202090204" pitchFamily="34" charset="0"/>
+        <a:buFont typeface="Arial" panose="020B0604020202020204" pitchFamily="34" charset="0"/>
         <a:buChar char="–"/>
         <a:defRPr sz="2800" kern="1200">
           <a:solidFill>
@@ -7358,7 +7358,7 @@
         <a:spcBef>
           <a:spcPct val="20000"/>
         </a:spcBef>
-        <a:buFont typeface="Arial" panose="020B0604020202090204" pitchFamily="34" charset="0"/>
+        <a:buFont typeface="Arial" panose="020B0604020202020204" pitchFamily="34" charset="0"/>
         <a:buChar char="•"/>
         <a:defRPr sz="2400" kern="1200">
           <a:solidFill>
@@ -7373,7 +7373,7 @@
         <a:spcBef>
           <a:spcPct val="20000"/>
         </a:spcBef>
-        <a:buFont typeface="Arial" panose="020B0604020202090204" pitchFamily="34" charset="0"/>
+        <a:buFont typeface="Arial" panose="020B0604020202020204" pitchFamily="34" charset="0"/>
         <a:buChar char="–"/>
         <a:defRPr sz="2000" kern="1200">
           <a:solidFill>
@@ -7388,7 +7388,7 @@
         <a:spcBef>
           <a:spcPct val="20000"/>
         </a:spcBef>
-        <a:buFont typeface="Arial" panose="020B0604020202090204" pitchFamily="34" charset="0"/>
+        <a:buFont typeface="Arial" panose="020B0604020202020204" pitchFamily="34" charset="0"/>
         <a:buChar char="»"/>
         <a:defRPr sz="2000" kern="1200">
           <a:solidFill>
@@ -7403,7 +7403,7 @@
         <a:spcBef>
           <a:spcPct val="20000"/>
         </a:spcBef>
-        <a:buFont typeface="Arial" panose="020B0604020202090204" pitchFamily="34" charset="0"/>
+        <a:buFont typeface="Arial" panose="020B0604020202020204" pitchFamily="34" charset="0"/>
         <a:buChar char="•"/>
         <a:defRPr sz="2000" kern="1200">
           <a:solidFill>
@@ -7418,7 +7418,7 @@
         <a:spcBef>
           <a:spcPct val="20000"/>
         </a:spcBef>
-        <a:buFont typeface="Arial" panose="020B0604020202090204" pitchFamily="34" charset="0"/>
+        <a:buFont typeface="Arial" panose="020B0604020202020204" pitchFamily="34" charset="0"/>
         <a:buChar char="•"/>
         <a:defRPr sz="2000" kern="1200">
           <a:solidFill>
@@ -7433,7 +7433,7 @@
         <a:spcBef>
           <a:spcPct val="20000"/>
         </a:spcBef>
-        <a:buFont typeface="Arial" panose="020B0604020202090204" pitchFamily="34" charset="0"/>
+        <a:buFont typeface="Arial" panose="020B0604020202020204" pitchFamily="34" charset="0"/>
         <a:buChar char="•"/>
         <a:defRPr sz="2000" kern="1200">
           <a:solidFill>
@@ -7448,7 +7448,7 @@
         <a:spcBef>
           <a:spcPct val="20000"/>
         </a:spcBef>
-        <a:buFont typeface="Arial" panose="020B0604020202090204" pitchFamily="34" charset="0"/>
+        <a:buFont typeface="Arial" panose="020B0604020202020204" pitchFamily="34" charset="0"/>
         <a:buChar char="•"/>
         <a:defRPr sz="2000" kern="1200">
           <a:solidFill>
@@ -7652,7 +7652,7 @@
               <a:spcBef>
                 <a:spcPct val="20000"/>
               </a:spcBef>
-              <a:buFont typeface="Arial" panose="020B0604020202090204" pitchFamily="34" charset="0"/>
+              <a:buFont typeface="Arial" panose="020B0604020202020204" pitchFamily="34" charset="0"/>
               <a:buChar char="•"/>
               <a:defRPr sz="3200">
                 <a:solidFill>
@@ -7667,7 +7667,7 @@
               <a:spcBef>
                 <a:spcPct val="20000"/>
               </a:spcBef>
-              <a:buFont typeface="Arial" panose="020B0604020202090204" pitchFamily="34" charset="0"/>
+              <a:buFont typeface="Arial" panose="020B0604020202020204" pitchFamily="34" charset="0"/>
               <a:buChar char="–"/>
               <a:defRPr sz="2800">
                 <a:solidFill>
@@ -7682,7 +7682,7 @@
               <a:spcBef>
                 <a:spcPct val="20000"/>
               </a:spcBef>
-              <a:buFont typeface="Arial" panose="020B0604020202090204" pitchFamily="34" charset="0"/>
+              <a:buFont typeface="Arial" panose="020B0604020202020204" pitchFamily="34" charset="0"/>
               <a:buChar char="•"/>
               <a:defRPr sz="2400">
                 <a:solidFill>
@@ -7697,7 +7697,7 @@
               <a:spcBef>
                 <a:spcPct val="20000"/>
               </a:spcBef>
-              <a:buFont typeface="Arial" panose="020B0604020202090204" pitchFamily="34" charset="0"/>
+              <a:buFont typeface="Arial" panose="020B0604020202020204" pitchFamily="34" charset="0"/>
               <a:buChar char="–"/>
               <a:defRPr sz="2000">
                 <a:solidFill>
@@ -7712,7 +7712,7 @@
               <a:spcBef>
                 <a:spcPct val="20000"/>
               </a:spcBef>
-              <a:buFont typeface="Arial" panose="020B0604020202090204" pitchFamily="34" charset="0"/>
+              <a:buFont typeface="Arial" panose="020B0604020202020204" pitchFamily="34" charset="0"/>
               <a:buChar char="»"/>
               <a:defRPr sz="2000">
                 <a:solidFill>
@@ -7730,7 +7730,7 @@
               <a:spcAft>
                 <a:spcPct val="0"/>
               </a:spcAft>
-              <a:buFont typeface="Arial" panose="020B0604020202090204" pitchFamily="34" charset="0"/>
+              <a:buFont typeface="Arial" panose="020B0604020202020204" pitchFamily="34" charset="0"/>
               <a:buChar char="»"/>
               <a:defRPr sz="2000">
                 <a:solidFill>
@@ -7748,7 +7748,7 @@
               <a:spcAft>
                 <a:spcPct val="0"/>
               </a:spcAft>
-              <a:buFont typeface="Arial" panose="020B0604020202090204" pitchFamily="34" charset="0"/>
+              <a:buFont typeface="Arial" panose="020B0604020202020204" pitchFamily="34" charset="0"/>
               <a:buChar char="»"/>
               <a:defRPr sz="2000">
                 <a:solidFill>
@@ -7766,7 +7766,7 @@
               <a:spcAft>
                 <a:spcPct val="0"/>
               </a:spcAft>
-              <a:buFont typeface="Arial" panose="020B0604020202090204" pitchFamily="34" charset="0"/>
+              <a:buFont typeface="Arial" panose="020B0604020202020204" pitchFamily="34" charset="0"/>
               <a:buChar char="»"/>
               <a:defRPr sz="2000">
                 <a:solidFill>
@@ -7784,7 +7784,7 @@
               <a:spcAft>
                 <a:spcPct val="0"/>
               </a:spcAft>
-              <a:buFont typeface="Arial" panose="020B0604020202090204" pitchFamily="34" charset="0"/>
+              <a:buFont typeface="Arial" panose="020B0604020202020204" pitchFamily="34" charset="0"/>
               <a:buChar char="»"/>
               <a:defRPr sz="2000">
                 <a:solidFill>
@@ -7808,7 +7808,7 @@
                     <a:lumOff val="25000"/>
                   </a:schemeClr>
                 </a:solidFill>
-                <a:cs typeface="Arial" panose="020B0604020202090204" pitchFamily="34" charset="0"/>
+                <a:cs typeface="Arial" panose="020B0604020202020204" pitchFamily="34" charset="0"/>
               </a:rPr>
               <a:t>汇报人</a:t>
             </a:r>
@@ -7820,7 +7820,7 @@
                     <a:lumOff val="25000"/>
                   </a:schemeClr>
                 </a:solidFill>
-                <a:cs typeface="Arial" panose="020B0604020202090204" pitchFamily="34" charset="0"/>
+                <a:cs typeface="Arial" panose="020B0604020202020204" pitchFamily="34" charset="0"/>
               </a:rPr>
               <a:t>：白杨</a:t>
             </a:r>
@@ -7831,7 +7831,7 @@
                   <a:lumOff val="25000"/>
                 </a:schemeClr>
               </a:solidFill>
-              <a:cs typeface="Arial" panose="020B0604020202090204" pitchFamily="34" charset="0"/>
+              <a:cs typeface="Arial" panose="020B0604020202020204" pitchFamily="34" charset="0"/>
             </a:endParaRPr>
           </a:p>
         </p:txBody>
@@ -7886,7 +7886,7 @@
               <a:spcBef>
                 <a:spcPct val="20000"/>
               </a:spcBef>
-              <a:buFont typeface="Arial" panose="020B0604020202090204" pitchFamily="34" charset="0"/>
+              <a:buFont typeface="Arial" panose="020B0604020202020204" pitchFamily="34" charset="0"/>
               <a:buChar char="•"/>
               <a:defRPr sz="3200">
                 <a:solidFill>
@@ -7901,7 +7901,7 @@
               <a:spcBef>
                 <a:spcPct val="20000"/>
               </a:spcBef>
-              <a:buFont typeface="Arial" panose="020B0604020202090204" pitchFamily="34" charset="0"/>
+              <a:buFont typeface="Arial" panose="020B0604020202020204" pitchFamily="34" charset="0"/>
               <a:buChar char="–"/>
               <a:defRPr sz="2800">
                 <a:solidFill>
@@ -7916,7 +7916,7 @@
               <a:spcBef>
                 <a:spcPct val="20000"/>
               </a:spcBef>
-              <a:buFont typeface="Arial" panose="020B0604020202090204" pitchFamily="34" charset="0"/>
+              <a:buFont typeface="Arial" panose="020B0604020202020204" pitchFamily="34" charset="0"/>
               <a:buChar char="•"/>
               <a:defRPr sz="2400">
                 <a:solidFill>
@@ -7931,7 +7931,7 @@
               <a:spcBef>
                 <a:spcPct val="20000"/>
               </a:spcBef>
-              <a:buFont typeface="Arial" panose="020B0604020202090204" pitchFamily="34" charset="0"/>
+              <a:buFont typeface="Arial" panose="020B0604020202020204" pitchFamily="34" charset="0"/>
               <a:buChar char="–"/>
               <a:defRPr sz="2000">
                 <a:solidFill>
@@ -7946,7 +7946,7 @@
               <a:spcBef>
                 <a:spcPct val="20000"/>
               </a:spcBef>
-              <a:buFont typeface="Arial" panose="020B0604020202090204" pitchFamily="34" charset="0"/>
+              <a:buFont typeface="Arial" panose="020B0604020202020204" pitchFamily="34" charset="0"/>
               <a:buChar char="»"/>
               <a:defRPr sz="2000">
                 <a:solidFill>
@@ -7964,7 +7964,7 @@
               <a:spcAft>
                 <a:spcPct val="0"/>
               </a:spcAft>
-              <a:buFont typeface="Arial" panose="020B0604020202090204" pitchFamily="34" charset="0"/>
+              <a:buFont typeface="Arial" panose="020B0604020202020204" pitchFamily="34" charset="0"/>
               <a:buChar char="»"/>
               <a:defRPr sz="2000">
                 <a:solidFill>
@@ -7982,7 +7982,7 @@
               <a:spcAft>
                 <a:spcPct val="0"/>
               </a:spcAft>
-              <a:buFont typeface="Arial" panose="020B0604020202090204" pitchFamily="34" charset="0"/>
+              <a:buFont typeface="Arial" panose="020B0604020202020204" pitchFamily="34" charset="0"/>
               <a:buChar char="»"/>
               <a:defRPr sz="2000">
                 <a:solidFill>
@@ -8000,7 +8000,7 @@
               <a:spcAft>
                 <a:spcPct val="0"/>
               </a:spcAft>
-              <a:buFont typeface="Arial" panose="020B0604020202090204" pitchFamily="34" charset="0"/>
+              <a:buFont typeface="Arial" panose="020B0604020202020204" pitchFamily="34" charset="0"/>
               <a:buChar char="»"/>
               <a:defRPr sz="2000">
                 <a:solidFill>
@@ -8018,7 +8018,7 @@
               <a:spcAft>
                 <a:spcPct val="0"/>
               </a:spcAft>
-              <a:buFont typeface="Arial" panose="020B0604020202090204" pitchFamily="34" charset="0"/>
+              <a:buFont typeface="Arial" panose="020B0604020202020204" pitchFamily="34" charset="0"/>
               <a:buChar char="»"/>
               <a:defRPr sz="2000">
                 <a:solidFill>
@@ -8042,8 +8042,8 @@
                     <a:lumOff val="25000"/>
                   </a:schemeClr>
                 </a:solidFill>
-                <a:latin typeface="Arial" panose="020B0604020202090204" pitchFamily="34" charset="0"/>
-                <a:cs typeface="Arial" panose="020B0604020202090204" pitchFamily="34" charset="0"/>
+                <a:latin typeface="Arial" panose="020B0604020202020204" pitchFamily="34" charset="0"/>
+                <a:cs typeface="Arial" panose="020B0604020202020204" pitchFamily="34" charset="0"/>
               </a:rPr>
               <a:t>工作总结</a:t>
             </a:r>
@@ -8054,8 +8054,8 @@
                   <a:lumOff val="25000"/>
                 </a:schemeClr>
               </a:solidFill>
-              <a:latin typeface="Arial" panose="020B0604020202090204" pitchFamily="34" charset="0"/>
-              <a:cs typeface="Arial" panose="020B0604020202090204" pitchFamily="34" charset="0"/>
+              <a:latin typeface="Arial" panose="020B0604020202020204" pitchFamily="34" charset="0"/>
+              <a:cs typeface="Arial" panose="020B0604020202020204" pitchFamily="34" charset="0"/>
             </a:endParaRPr>
           </a:p>
         </p:txBody>
@@ -8110,7 +8110,7 @@
               <a:spcBef>
                 <a:spcPct val="20000"/>
               </a:spcBef>
-              <a:buFont typeface="Arial" panose="020B0604020202090204" pitchFamily="34" charset="0"/>
+              <a:buFont typeface="Arial" panose="020B0604020202020204" pitchFamily="34" charset="0"/>
               <a:buChar char="•"/>
               <a:defRPr sz="3200">
                 <a:solidFill>
@@ -8125,7 +8125,7 @@
               <a:spcBef>
                 <a:spcPct val="20000"/>
               </a:spcBef>
-              <a:buFont typeface="Arial" panose="020B0604020202090204" pitchFamily="34" charset="0"/>
+              <a:buFont typeface="Arial" panose="020B0604020202020204" pitchFamily="34" charset="0"/>
               <a:buChar char="–"/>
               <a:defRPr sz="2800">
                 <a:solidFill>
@@ -8140,7 +8140,7 @@
               <a:spcBef>
                 <a:spcPct val="20000"/>
               </a:spcBef>
-              <a:buFont typeface="Arial" panose="020B0604020202090204" pitchFamily="34" charset="0"/>
+              <a:buFont typeface="Arial" panose="020B0604020202020204" pitchFamily="34" charset="0"/>
               <a:buChar char="•"/>
               <a:defRPr sz="2400">
                 <a:solidFill>
@@ -8155,7 +8155,7 @@
               <a:spcBef>
                 <a:spcPct val="20000"/>
               </a:spcBef>
-              <a:buFont typeface="Arial" panose="020B0604020202090204" pitchFamily="34" charset="0"/>
+              <a:buFont typeface="Arial" panose="020B0604020202020204" pitchFamily="34" charset="0"/>
               <a:buChar char="–"/>
               <a:defRPr sz="2000">
                 <a:solidFill>
@@ -8170,7 +8170,7 @@
               <a:spcBef>
                 <a:spcPct val="20000"/>
               </a:spcBef>
-              <a:buFont typeface="Arial" panose="020B0604020202090204" pitchFamily="34" charset="0"/>
+              <a:buFont typeface="Arial" panose="020B0604020202020204" pitchFamily="34" charset="0"/>
               <a:buChar char="»"/>
               <a:defRPr sz="2000">
                 <a:solidFill>
@@ -8188,7 +8188,7 @@
               <a:spcAft>
                 <a:spcPct val="0"/>
               </a:spcAft>
-              <a:buFont typeface="Arial" panose="020B0604020202090204" pitchFamily="34" charset="0"/>
+              <a:buFont typeface="Arial" panose="020B0604020202020204" pitchFamily="34" charset="0"/>
               <a:buChar char="»"/>
               <a:defRPr sz="2000">
                 <a:solidFill>
@@ -8206,7 +8206,7 @@
               <a:spcAft>
                 <a:spcPct val="0"/>
               </a:spcAft>
-              <a:buFont typeface="Arial" panose="020B0604020202090204" pitchFamily="34" charset="0"/>
+              <a:buFont typeface="Arial" panose="020B0604020202020204" pitchFamily="34" charset="0"/>
               <a:buChar char="»"/>
               <a:defRPr sz="2000">
                 <a:solidFill>
@@ -8224,7 +8224,7 @@
               <a:spcAft>
                 <a:spcPct val="0"/>
               </a:spcAft>
-              <a:buFont typeface="Arial" panose="020B0604020202090204" pitchFamily="34" charset="0"/>
+              <a:buFont typeface="Arial" panose="020B0604020202020204" pitchFamily="34" charset="0"/>
               <a:buChar char="»"/>
               <a:defRPr sz="2000">
                 <a:solidFill>
@@ -8242,7 +8242,7 @@
               <a:spcAft>
                 <a:spcPct val="0"/>
               </a:spcAft>
-              <a:buFont typeface="Arial" panose="020B0604020202090204" pitchFamily="34" charset="0"/>
+              <a:buFont typeface="Arial" panose="020B0604020202020204" pitchFamily="34" charset="0"/>
               <a:buChar char="»"/>
               <a:defRPr sz="2000">
                 <a:solidFill>
@@ -8263,7 +8263,7 @@
                 <a:solidFill>
                   <a:schemeClr val="accent1"/>
                 </a:solidFill>
-                <a:cs typeface="Arial" panose="020B0604020202090204" pitchFamily="34" charset="0"/>
+                <a:cs typeface="Arial" panose="020B0604020202020204" pitchFamily="34" charset="0"/>
               </a:rPr>
               <a:t>2019</a:t>
             </a:r>
@@ -8271,7 +8271,7 @@
               <a:solidFill>
                 <a:schemeClr val="accent1"/>
               </a:solidFill>
-              <a:cs typeface="Arial" panose="020B0604020202090204" pitchFamily="34" charset="0"/>
+              <a:cs typeface="Arial" panose="020B0604020202020204" pitchFamily="34" charset="0"/>
             </a:endParaRPr>
           </a:p>
         </p:txBody>
@@ -8437,7 +8437,7 @@
               <a:spcBef>
                 <a:spcPct val="20000"/>
               </a:spcBef>
-              <a:buFont typeface="Arial" panose="020B0604020202090204" pitchFamily="34" charset="0"/>
+              <a:buFont typeface="Arial" panose="020B0604020202020204" pitchFamily="34" charset="0"/>
               <a:buChar char="•"/>
               <a:defRPr sz="3200">
                 <a:solidFill>
@@ -8452,7 +8452,7 @@
               <a:spcBef>
                 <a:spcPct val="20000"/>
               </a:spcBef>
-              <a:buFont typeface="Arial" panose="020B0604020202090204" pitchFamily="34" charset="0"/>
+              <a:buFont typeface="Arial" panose="020B0604020202020204" pitchFamily="34" charset="0"/>
               <a:buChar char="–"/>
               <a:defRPr sz="2800">
                 <a:solidFill>
@@ -8467,7 +8467,7 @@
               <a:spcBef>
                 <a:spcPct val="20000"/>
               </a:spcBef>
-              <a:buFont typeface="Arial" panose="020B0604020202090204" pitchFamily="34" charset="0"/>
+              <a:buFont typeface="Arial" panose="020B0604020202020204" pitchFamily="34" charset="0"/>
               <a:buChar char="•"/>
               <a:defRPr sz="2400">
                 <a:solidFill>
@@ -8482,7 +8482,7 @@
               <a:spcBef>
                 <a:spcPct val="20000"/>
               </a:spcBef>
-              <a:buFont typeface="Arial" panose="020B0604020202090204" pitchFamily="34" charset="0"/>
+              <a:buFont typeface="Arial" panose="020B0604020202020204" pitchFamily="34" charset="0"/>
               <a:buChar char="–"/>
               <a:defRPr sz="2000">
                 <a:solidFill>
@@ -8497,7 +8497,7 @@
               <a:spcBef>
                 <a:spcPct val="20000"/>
               </a:spcBef>
-              <a:buFont typeface="Arial" panose="020B0604020202090204" pitchFamily="34" charset="0"/>
+              <a:buFont typeface="Arial" panose="020B0604020202020204" pitchFamily="34" charset="0"/>
               <a:buChar char="»"/>
               <a:defRPr sz="2000">
                 <a:solidFill>
@@ -8515,7 +8515,7 @@
               <a:spcAft>
                 <a:spcPct val="0"/>
               </a:spcAft>
-              <a:buFont typeface="Arial" panose="020B0604020202090204" pitchFamily="34" charset="0"/>
+              <a:buFont typeface="Arial" panose="020B0604020202020204" pitchFamily="34" charset="0"/>
               <a:buChar char="»"/>
               <a:defRPr sz="2000">
                 <a:solidFill>
@@ -8533,7 +8533,7 @@
               <a:spcAft>
                 <a:spcPct val="0"/>
               </a:spcAft>
-              <a:buFont typeface="Arial" panose="020B0604020202090204" pitchFamily="34" charset="0"/>
+              <a:buFont typeface="Arial" panose="020B0604020202020204" pitchFamily="34" charset="0"/>
               <a:buChar char="»"/>
               <a:defRPr sz="2000">
                 <a:solidFill>
@@ -8551,7 +8551,7 @@
               <a:spcAft>
                 <a:spcPct val="0"/>
               </a:spcAft>
-              <a:buFont typeface="Arial" panose="020B0604020202090204" pitchFamily="34" charset="0"/>
+              <a:buFont typeface="Arial" panose="020B0604020202020204" pitchFamily="34" charset="0"/>
               <a:buChar char="»"/>
               <a:defRPr sz="2000">
                 <a:solidFill>
@@ -8569,7 +8569,7 @@
               <a:spcAft>
                 <a:spcPct val="0"/>
               </a:spcAft>
-              <a:buFont typeface="Arial" panose="020B0604020202090204" pitchFamily="34" charset="0"/>
+              <a:buFont typeface="Arial" panose="020B0604020202020204" pitchFamily="34" charset="0"/>
               <a:buChar char="»"/>
               <a:defRPr sz="2000">
                 <a:solidFill>
@@ -8591,7 +8591,7 @@
                   <a:schemeClr val="accent1"/>
                 </a:solidFill>
                 <a:latin typeface="Impact" panose="020B0806030902050204" pitchFamily="34" charset="0"/>
-                <a:cs typeface="Arial" panose="020B0604020202090204" pitchFamily="34" charset="0"/>
+                <a:cs typeface="Arial" panose="020B0604020202020204" pitchFamily="34" charset="0"/>
               </a:rPr>
               <a:t>02</a:t>
             </a:r>
@@ -8600,7 +8600,7 @@
                 <a:schemeClr val="accent1"/>
               </a:solidFill>
               <a:latin typeface="Impact" panose="020B0806030902050204" pitchFamily="34" charset="0"/>
-              <a:cs typeface="Arial" panose="020B0604020202090204" pitchFamily="34" charset="0"/>
+              <a:cs typeface="Arial" panose="020B0604020202020204" pitchFamily="34" charset="0"/>
             </a:endParaRPr>
           </a:p>
         </p:txBody>
@@ -9214,8 +9214,8 @@
                     <a:lumOff val="25000"/>
                   </a:schemeClr>
                 </a:solidFill>
-                <a:latin typeface="微软雅黑"/>
-                <a:ea typeface="微软雅黑"/>
+                <a:latin typeface="微软雅黑" panose="020B0503020204020204" pitchFamily="34" charset="-122"/>
+                <a:ea typeface="微软雅黑" panose="020B0503020204020204" pitchFamily="34" charset="-122"/>
               </a:rPr>
               <a:t>基础监控</a:t>
             </a:r>
@@ -9226,8 +9226,8 @@
                   <a:lumOff val="25000"/>
                 </a:schemeClr>
               </a:solidFill>
-              <a:latin typeface="微软雅黑"/>
-              <a:ea typeface="微软雅黑"/>
+              <a:latin typeface="微软雅黑" panose="020B0503020204020204" pitchFamily="34" charset="-122"/>
+              <a:ea typeface="微软雅黑" panose="020B0503020204020204" pitchFamily="34" charset="-122"/>
             </a:endParaRPr>
           </a:p>
           <a:p>
@@ -9249,7 +9249,7 @@
                 </a:solidFill>
                 <a:latin typeface="微软雅黑" panose="020B0503020204020204" pitchFamily="34" charset="-122"/>
                 <a:ea typeface="微软雅黑" panose="020B0503020204020204" pitchFamily="34" charset="-122"/>
-                <a:cs typeface="Arial" panose="020B0604020202090204" pitchFamily="34" charset="0"/>
+                <a:cs typeface="Arial" panose="020B0604020202020204" pitchFamily="34" charset="0"/>
               </a:rPr>
               <a:t>阿里云各服务状态监控和报警</a:t>
             </a:r>
@@ -9262,7 +9262,7 @@
               </a:solidFill>
               <a:latin typeface="微软雅黑" panose="020B0503020204020204" pitchFamily="34" charset="-122"/>
               <a:ea typeface="微软雅黑" panose="020B0503020204020204" pitchFamily="34" charset="-122"/>
-              <a:cs typeface="Arial" panose="020B0604020202090204" pitchFamily="34" charset="0"/>
+              <a:cs typeface="Arial" panose="020B0604020202020204" pitchFamily="34" charset="0"/>
             </a:endParaRPr>
           </a:p>
           <a:p>
@@ -9284,7 +9284,7 @@
                 </a:solidFill>
                 <a:latin typeface="微软雅黑" panose="020B0503020204020204" pitchFamily="34" charset="-122"/>
                 <a:ea typeface="微软雅黑" panose="020B0503020204020204" pitchFamily="34" charset="-122"/>
-                <a:cs typeface="Arial" panose="020B0604020202090204" pitchFamily="34" charset="0"/>
+                <a:cs typeface="Arial" panose="020B0604020202020204" pitchFamily="34" charset="0"/>
               </a:rPr>
               <a:t>网关服务检测</a:t>
             </a:r>
@@ -9297,7 +9297,7 @@
               </a:solidFill>
               <a:latin typeface="微软雅黑" panose="020B0503020204020204" pitchFamily="34" charset="-122"/>
               <a:ea typeface="微软雅黑" panose="020B0503020204020204" pitchFamily="34" charset="-122"/>
-              <a:cs typeface="Arial" panose="020B0604020202090204" pitchFamily="34" charset="0"/>
+              <a:cs typeface="Arial" panose="020B0604020202020204" pitchFamily="34" charset="0"/>
             </a:endParaRPr>
           </a:p>
           <a:p>
@@ -9319,7 +9319,7 @@
                 </a:solidFill>
                 <a:latin typeface="微软雅黑" panose="020B0503020204020204" pitchFamily="34" charset="-122"/>
                 <a:ea typeface="微软雅黑" panose="020B0503020204020204" pitchFamily="34" charset="-122"/>
-                <a:cs typeface="Arial" panose="020B0604020202090204" pitchFamily="34" charset="0"/>
+                <a:cs typeface="Arial" panose="020B0604020202020204" pitchFamily="34" charset="0"/>
               </a:rPr>
               <a:t>进程可用性检测</a:t>
             </a:r>
@@ -9332,7 +9332,7 @@
               </a:solidFill>
               <a:latin typeface="微软雅黑" panose="020B0503020204020204" pitchFamily="34" charset="-122"/>
               <a:ea typeface="微软雅黑" panose="020B0503020204020204" pitchFamily="34" charset="-122"/>
-              <a:cs typeface="Arial" panose="020B0604020202090204" pitchFamily="34" charset="0"/>
+              <a:cs typeface="Arial" panose="020B0604020202020204" pitchFamily="34" charset="0"/>
             </a:endParaRPr>
           </a:p>
           <a:p>
@@ -9354,7 +9354,7 @@
                 </a:solidFill>
                 <a:latin typeface="微软雅黑" panose="020B0503020204020204" pitchFamily="34" charset="-122"/>
                 <a:ea typeface="微软雅黑" panose="020B0503020204020204" pitchFamily="34" charset="-122"/>
-                <a:cs typeface="Arial" panose="020B0604020202090204" pitchFamily="34" charset="0"/>
+                <a:cs typeface="Arial" panose="020B0604020202020204" pitchFamily="34" charset="0"/>
               </a:rPr>
               <a:t>磁盘内存可用性检测</a:t>
             </a:r>
@@ -9367,7 +9367,7 @@
               </a:solidFill>
               <a:latin typeface="微软雅黑" panose="020B0503020204020204" pitchFamily="34" charset="-122"/>
               <a:ea typeface="微软雅黑" panose="020B0503020204020204" pitchFamily="34" charset="-122"/>
-              <a:cs typeface="Arial" panose="020B0604020202090204" pitchFamily="34" charset="0"/>
+              <a:cs typeface="Arial" panose="020B0604020202020204" pitchFamily="34" charset="0"/>
             </a:endParaRPr>
           </a:p>
         </p:txBody>
@@ -9412,8 +9412,8 @@
                     <a:lumOff val="25000"/>
                   </a:schemeClr>
                 </a:solidFill>
-                <a:latin typeface="微软雅黑"/>
-                <a:ea typeface="微软雅黑"/>
+                <a:latin typeface="微软雅黑" panose="020B0503020204020204" pitchFamily="34" charset="-122"/>
+                <a:ea typeface="微软雅黑" panose="020B0503020204020204" pitchFamily="34" charset="-122"/>
                 <a:sym typeface="+mn-ea"/>
               </a:rPr>
               <a:t>Argus</a:t>
@@ -9426,8 +9426,8 @@
                     <a:lumOff val="25000"/>
                   </a:schemeClr>
                 </a:solidFill>
-                <a:latin typeface="微软雅黑"/>
-                <a:ea typeface="微软雅黑"/>
+                <a:latin typeface="微软雅黑" panose="020B0503020204020204" pitchFamily="34" charset="-122"/>
+                <a:ea typeface="微软雅黑" panose="020B0503020204020204" pitchFamily="34" charset="-122"/>
                 <a:sym typeface="+mn-ea"/>
               </a:rPr>
               <a:t>业务监控</a:t>
@@ -9439,8 +9439,8 @@
                   <a:lumOff val="25000"/>
                 </a:schemeClr>
               </a:solidFill>
-              <a:latin typeface="微软雅黑"/>
-              <a:ea typeface="微软雅黑"/>
+              <a:latin typeface="微软雅黑" panose="020B0503020204020204" pitchFamily="34" charset="-122"/>
+              <a:ea typeface="微软雅黑" panose="020B0503020204020204" pitchFamily="34" charset="-122"/>
             </a:endParaRPr>
           </a:p>
           <a:p>
@@ -9610,8 +9610,8 @@
                     <a:lumOff val="25000"/>
                   </a:schemeClr>
                 </a:solidFill>
-                <a:latin typeface="微软雅黑"/>
-                <a:ea typeface="微软雅黑"/>
+                <a:latin typeface="微软雅黑" panose="020B0503020204020204" pitchFamily="34" charset="-122"/>
+                <a:ea typeface="微软雅黑" panose="020B0503020204020204" pitchFamily="34" charset="-122"/>
               </a:rPr>
               <a:t>安全中心</a:t>
             </a:r>
@@ -9622,8 +9622,8 @@
                   <a:lumOff val="25000"/>
                 </a:schemeClr>
               </a:solidFill>
-              <a:latin typeface="微软雅黑"/>
-              <a:ea typeface="微软雅黑"/>
+              <a:latin typeface="微软雅黑" panose="020B0503020204020204" pitchFamily="34" charset="-122"/>
+              <a:ea typeface="微软雅黑" panose="020B0503020204020204" pitchFamily="34" charset="-122"/>
             </a:endParaRPr>
           </a:p>
           <a:p>
@@ -9780,10 +9780,10 @@
                   <a:lumMod val="65000"/>
                 </a:schemeClr>
               </a:solidFill>
-              <a:latin typeface="Arial" panose="020B0604020202090204" pitchFamily="34" charset="0"/>
+              <a:latin typeface="Arial" panose="020B0604020202020204" pitchFamily="34" charset="0"/>
               <a:ea typeface="微软雅黑" panose="020B0503020204020204" pitchFamily="34" charset="-122"/>
               <a:cs typeface="+mn-ea"/>
-              <a:sym typeface="Arial" panose="020B0604020202090204" pitchFamily="34" charset="0"/>
+              <a:sym typeface="Arial" panose="020B0604020202020204" pitchFamily="34" charset="0"/>
             </a:endParaRPr>
           </a:p>
         </p:txBody>
@@ -9840,10 +9840,10 @@
                   <a:lumMod val="65000"/>
                 </a:schemeClr>
               </a:solidFill>
-              <a:latin typeface="Arial" panose="020B0604020202090204" pitchFamily="34" charset="0"/>
+              <a:latin typeface="Arial" panose="020B0604020202020204" pitchFamily="34" charset="0"/>
               <a:ea typeface="微软雅黑" panose="020B0503020204020204" pitchFamily="34" charset="-122"/>
               <a:cs typeface="+mn-ea"/>
-              <a:sym typeface="Arial" panose="020B0604020202090204" pitchFamily="34" charset="0"/>
+              <a:sym typeface="Arial" panose="020B0604020202020204" pitchFamily="34" charset="0"/>
             </a:endParaRPr>
           </a:p>
         </p:txBody>
@@ -9900,10 +9900,10 @@
                   <a:lumMod val="65000"/>
                 </a:schemeClr>
               </a:solidFill>
-              <a:latin typeface="Arial" panose="020B0604020202090204" pitchFamily="34" charset="0"/>
+              <a:latin typeface="Arial" panose="020B0604020202020204" pitchFamily="34" charset="0"/>
               <a:ea typeface="微软雅黑" panose="020B0503020204020204" pitchFamily="34" charset="-122"/>
               <a:cs typeface="+mn-ea"/>
-              <a:sym typeface="Arial" panose="020B0604020202090204" pitchFamily="34" charset="0"/>
+              <a:sym typeface="Arial" panose="020B0604020202020204" pitchFamily="34" charset="0"/>
             </a:endParaRPr>
           </a:p>
         </p:txBody>
@@ -9960,10 +9960,10 @@
                   <a:lumMod val="65000"/>
                 </a:schemeClr>
               </a:solidFill>
-              <a:latin typeface="Arial" panose="020B0604020202090204" pitchFamily="34" charset="0"/>
+              <a:latin typeface="Arial" panose="020B0604020202020204" pitchFamily="34" charset="0"/>
               <a:ea typeface="微软雅黑" panose="020B0503020204020204" pitchFamily="34" charset="-122"/>
               <a:cs typeface="+mn-ea"/>
-              <a:sym typeface="Arial" panose="020B0604020202090204" pitchFamily="34" charset="0"/>
+              <a:sym typeface="Arial" panose="020B0604020202020204" pitchFamily="34" charset="0"/>
             </a:endParaRPr>
           </a:p>
         </p:txBody>
@@ -10020,10 +10020,10 @@
                   <a:lumMod val="65000"/>
                 </a:schemeClr>
               </a:solidFill>
-              <a:latin typeface="Arial" panose="020B0604020202090204" pitchFamily="34" charset="0"/>
+              <a:latin typeface="Arial" panose="020B0604020202020204" pitchFamily="34" charset="0"/>
               <a:ea typeface="微软雅黑" panose="020B0503020204020204" pitchFamily="34" charset="-122"/>
               <a:cs typeface="+mn-ea"/>
-              <a:sym typeface="Arial" panose="020B0604020202090204" pitchFamily="34" charset="0"/>
+              <a:sym typeface="Arial" panose="020B0604020202020204" pitchFamily="34" charset="0"/>
             </a:endParaRPr>
           </a:p>
         </p:txBody>
@@ -10109,10 +10109,10 @@
                     <a:lumMod val="65000"/>
                   </a:schemeClr>
                 </a:solidFill>
-                <a:latin typeface="Arial" panose="020B0604020202090204" pitchFamily="34" charset="0"/>
+                <a:latin typeface="Arial" panose="020B0604020202020204" pitchFamily="34" charset="0"/>
                 <a:ea typeface="微软雅黑" panose="020B0503020204020204" pitchFamily="34" charset="-122"/>
                 <a:cs typeface="+mn-ea"/>
-                <a:sym typeface="Arial" panose="020B0604020202090204" pitchFamily="34" charset="0"/>
+                <a:sym typeface="Arial" panose="020B0604020202020204" pitchFamily="34" charset="0"/>
               </a:rPr>
               <a:t>10</a:t>
             </a:r>
@@ -10123,10 +10123,10 @@
                     <a:lumMod val="65000"/>
                   </a:schemeClr>
                 </a:solidFill>
-                <a:latin typeface="Arial" panose="020B0604020202090204" pitchFamily="34" charset="0"/>
+                <a:latin typeface="Arial" panose="020B0604020202020204" pitchFamily="34" charset="0"/>
                 <a:ea typeface="微软雅黑" panose="020B0503020204020204" pitchFamily="34" charset="-122"/>
                 <a:cs typeface="+mn-ea"/>
-                <a:sym typeface="Arial" panose="020B0604020202090204" pitchFamily="34" charset="0"/>
+                <a:sym typeface="Arial" panose="020B0604020202020204" pitchFamily="34" charset="0"/>
               </a:rPr>
               <a:t>月小范围线上压测</a:t>
             </a:r>
@@ -10136,10 +10136,10 @@
                   <a:lumMod val="65000"/>
                 </a:schemeClr>
               </a:solidFill>
-              <a:latin typeface="Arial" panose="020B0604020202090204" pitchFamily="34" charset="0"/>
+              <a:latin typeface="Arial" panose="020B0604020202020204" pitchFamily="34" charset="0"/>
               <a:ea typeface="微软雅黑" panose="020B0503020204020204" pitchFamily="34" charset="-122"/>
               <a:cs typeface="+mn-ea"/>
-              <a:sym typeface="Arial" panose="020B0604020202090204" pitchFamily="34" charset="0"/>
+              <a:sym typeface="Arial" panose="020B0604020202020204" pitchFamily="34" charset="0"/>
             </a:endParaRPr>
           </a:p>
         </p:txBody>
@@ -10225,10 +10225,10 @@
                     <a:lumMod val="65000"/>
                   </a:schemeClr>
                 </a:solidFill>
-                <a:latin typeface="Arial" panose="020B0604020202090204" pitchFamily="34" charset="0"/>
+                <a:latin typeface="Arial" panose="020B0604020202020204" pitchFamily="34" charset="0"/>
                 <a:ea typeface="微软雅黑" panose="020B0503020204020204" pitchFamily="34" charset="-122"/>
                 <a:cs typeface="+mn-ea"/>
-                <a:sym typeface="Arial" panose="020B0604020202090204" pitchFamily="34" charset="0"/>
+                <a:sym typeface="Arial" panose="020B0604020202020204" pitchFamily="34" charset="0"/>
               </a:rPr>
               <a:t>9</a:t>
             </a:r>
@@ -10239,10 +10239,10 @@
                     <a:lumMod val="65000"/>
                   </a:schemeClr>
                 </a:solidFill>
-                <a:latin typeface="Arial" panose="020B0604020202090204" pitchFamily="34" charset="0"/>
+                <a:latin typeface="Arial" panose="020B0604020202020204" pitchFamily="34" charset="0"/>
                 <a:ea typeface="微软雅黑" panose="020B0503020204020204" pitchFamily="34" charset="-122"/>
                 <a:cs typeface="+mn-ea"/>
-                <a:sym typeface="Arial" panose="020B0604020202090204" pitchFamily="34" charset="0"/>
+                <a:sym typeface="Arial" panose="020B0604020202020204" pitchFamily="34" charset="0"/>
               </a:rPr>
               <a:t>月各系统内压测</a:t>
             </a:r>
@@ -10252,10 +10252,10 @@
                   <a:lumMod val="65000"/>
                 </a:schemeClr>
               </a:solidFill>
-              <a:latin typeface="Arial" panose="020B0604020202090204" pitchFamily="34" charset="0"/>
+              <a:latin typeface="Arial" panose="020B0604020202020204" pitchFamily="34" charset="0"/>
               <a:ea typeface="微软雅黑" panose="020B0503020204020204" pitchFamily="34" charset="-122"/>
               <a:cs typeface="+mn-ea"/>
-              <a:sym typeface="Arial" panose="020B0604020202090204" pitchFamily="34" charset="0"/>
+              <a:sym typeface="Arial" panose="020B0604020202020204" pitchFamily="34" charset="0"/>
             </a:endParaRPr>
           </a:p>
         </p:txBody>
@@ -10341,10 +10341,10 @@
                     <a:lumMod val="65000"/>
                   </a:schemeClr>
                 </a:solidFill>
-                <a:latin typeface="Arial" panose="020B0604020202090204" pitchFamily="34" charset="0"/>
+                <a:latin typeface="Arial" panose="020B0604020202020204" pitchFamily="34" charset="0"/>
                 <a:ea typeface="微软雅黑" panose="020B0503020204020204" pitchFamily="34" charset="-122"/>
                 <a:cs typeface="+mn-ea"/>
-                <a:sym typeface="Arial" panose="020B0604020202090204" pitchFamily="34" charset="0"/>
+                <a:sym typeface="Arial" panose="020B0604020202020204" pitchFamily="34" charset="0"/>
               </a:rPr>
               <a:t>6</a:t>
             </a:r>
@@ -10355,10 +10355,10 @@
                     <a:lumMod val="65000"/>
                   </a:schemeClr>
                 </a:solidFill>
-                <a:latin typeface="Arial" panose="020B0604020202090204" pitchFamily="34" charset="0"/>
+                <a:latin typeface="Arial" panose="020B0604020202020204" pitchFamily="34" charset="0"/>
                 <a:ea typeface="微软雅黑" panose="020B0503020204020204" pitchFamily="34" charset="-122"/>
                 <a:cs typeface="+mn-ea"/>
-                <a:sym typeface="Arial" panose="020B0604020202090204" pitchFamily="34" charset="0"/>
+                <a:sym typeface="Arial" panose="020B0604020202020204" pitchFamily="34" charset="0"/>
               </a:rPr>
               <a:t>月系统开发</a:t>
             </a:r>
@@ -10368,10 +10368,10 @@
                   <a:lumMod val="65000"/>
                 </a:schemeClr>
               </a:solidFill>
-              <a:latin typeface="Arial" panose="020B0604020202090204" pitchFamily="34" charset="0"/>
+              <a:latin typeface="Arial" panose="020B0604020202020204" pitchFamily="34" charset="0"/>
               <a:ea typeface="微软雅黑" panose="020B0503020204020204" pitchFamily="34" charset="-122"/>
               <a:cs typeface="+mn-ea"/>
-              <a:sym typeface="Arial" panose="020B0604020202090204" pitchFamily="34" charset="0"/>
+              <a:sym typeface="Arial" panose="020B0604020202020204" pitchFamily="34" charset="0"/>
             </a:endParaRPr>
           </a:p>
         </p:txBody>
@@ -10409,10 +10409,10 @@
                     <a:lumMod val="65000"/>
                   </a:schemeClr>
                 </a:solidFill>
-                <a:latin typeface="Arial" panose="020B0604020202090204" pitchFamily="34" charset="0"/>
+                <a:latin typeface="Arial" panose="020B0604020202020204" pitchFamily="34" charset="0"/>
                 <a:ea typeface="微软雅黑" panose="020B0503020204020204" pitchFamily="34" charset="-122"/>
                 <a:cs typeface="+mn-ea"/>
-                <a:sym typeface="Arial" panose="020B0604020202090204" pitchFamily="34" charset="0"/>
+                <a:sym typeface="Arial" panose="020B0604020202020204" pitchFamily="34" charset="0"/>
               </a:rPr>
               <a:t>11.2</a:t>
             </a:r>
@@ -10423,10 +10423,10 @@
                     <a:lumMod val="65000"/>
                   </a:schemeClr>
                 </a:solidFill>
-                <a:latin typeface="Arial" panose="020B0604020202090204" pitchFamily="34" charset="0"/>
+                <a:latin typeface="Arial" panose="020B0604020202020204" pitchFamily="34" charset="0"/>
                 <a:ea typeface="微软雅黑" panose="020B0503020204020204" pitchFamily="34" charset="-122"/>
                 <a:cs typeface="+mn-ea"/>
-                <a:sym typeface="Arial" panose="020B0604020202090204" pitchFamily="34" charset="0"/>
+                <a:sym typeface="Arial" panose="020B0604020202020204" pitchFamily="34" charset="0"/>
               </a:rPr>
               <a:t>大规模线上应用</a:t>
             </a:r>
@@ -10436,10 +10436,10 @@
                   <a:lumMod val="65000"/>
                 </a:schemeClr>
               </a:solidFill>
-              <a:latin typeface="Arial" panose="020B0604020202090204" pitchFamily="34" charset="0"/>
+              <a:latin typeface="Arial" panose="020B0604020202020204" pitchFamily="34" charset="0"/>
               <a:ea typeface="微软雅黑" panose="020B0503020204020204" pitchFamily="34" charset="-122"/>
               <a:cs typeface="+mn-ea"/>
-              <a:sym typeface="Arial" panose="020B0604020202090204" pitchFamily="34" charset="0"/>
+              <a:sym typeface="Arial" panose="020B0604020202020204" pitchFamily="34" charset="0"/>
             </a:endParaRPr>
           </a:p>
         </p:txBody>
@@ -10477,10 +10477,10 @@
                     <a:lumMod val="65000"/>
                   </a:schemeClr>
                 </a:solidFill>
-                <a:latin typeface="Arial" panose="020B0604020202090204" pitchFamily="34" charset="0"/>
+                <a:latin typeface="Arial" panose="020B0604020202020204" pitchFamily="34" charset="0"/>
                 <a:ea typeface="微软雅黑" panose="020B0503020204020204" pitchFamily="34" charset="-122"/>
                 <a:cs typeface="+mn-ea"/>
-                <a:sym typeface="Arial" panose="020B0604020202090204" pitchFamily="34" charset="0"/>
+                <a:sym typeface="Arial" panose="020B0604020202020204" pitchFamily="34" charset="0"/>
               </a:rPr>
               <a:t>11.5</a:t>
             </a:r>
@@ -10491,10 +10491,10 @@
                     <a:lumMod val="65000"/>
                   </a:schemeClr>
                 </a:solidFill>
-                <a:latin typeface="Arial" panose="020B0604020202090204" pitchFamily="34" charset="0"/>
+                <a:latin typeface="Arial" panose="020B0604020202020204" pitchFamily="34" charset="0"/>
                 <a:ea typeface="微软雅黑" panose="020B0503020204020204" pitchFamily="34" charset="-122"/>
                 <a:cs typeface="+mn-ea"/>
-                <a:sym typeface="Arial" panose="020B0604020202090204" pitchFamily="34" charset="0"/>
+                <a:sym typeface="Arial" panose="020B0604020202020204" pitchFamily="34" charset="0"/>
               </a:rPr>
               <a:t>最后一轮，符合预期</a:t>
             </a:r>
@@ -10504,10 +10504,10 @@
                   <a:lumMod val="65000"/>
                 </a:schemeClr>
               </a:solidFill>
-              <a:latin typeface="Arial" panose="020B0604020202090204" pitchFamily="34" charset="0"/>
+              <a:latin typeface="Arial" panose="020B0604020202020204" pitchFamily="34" charset="0"/>
               <a:ea typeface="微软雅黑" panose="020B0503020204020204" pitchFamily="34" charset="-122"/>
               <a:cs typeface="+mn-ea"/>
-              <a:sym typeface="Arial" panose="020B0604020202090204" pitchFamily="34" charset="0"/>
+              <a:sym typeface="Arial" panose="020B0604020202020204" pitchFamily="34" charset="0"/>
             </a:endParaRPr>
           </a:p>
         </p:txBody>
@@ -10567,10 +10567,10 @@
                     <a:lumMod val="65000"/>
                   </a:schemeClr>
                 </a:solidFill>
-                <a:latin typeface="Arial" panose="020B0604020202090204" pitchFamily="34" charset="0"/>
+                <a:latin typeface="Arial" panose="020B0604020202020204" pitchFamily="34" charset="0"/>
                 <a:ea typeface="微软雅黑" panose="020B0503020204020204" pitchFamily="34" charset="-122"/>
                 <a:cs typeface="+mn-ea"/>
-                <a:sym typeface="Arial" panose="020B0604020202090204" pitchFamily="34" charset="0"/>
+                <a:sym typeface="Arial" panose="020B0604020202020204" pitchFamily="34" charset="0"/>
               </a:rPr>
               <a:t>02</a:t>
             </a:r>
@@ -10580,10 +10580,10 @@
                   <a:lumMod val="65000"/>
                 </a:schemeClr>
               </a:solidFill>
-              <a:latin typeface="Arial" panose="020B0604020202090204" pitchFamily="34" charset="0"/>
+              <a:latin typeface="Arial" panose="020B0604020202020204" pitchFamily="34" charset="0"/>
               <a:ea typeface="微软雅黑" panose="020B0503020204020204" pitchFamily="34" charset="-122"/>
               <a:cs typeface="+mn-ea"/>
-              <a:sym typeface="Arial" panose="020B0604020202090204" pitchFamily="34" charset="0"/>
+              <a:sym typeface="Arial" panose="020B0604020202020204" pitchFamily="34" charset="0"/>
             </a:endParaRPr>
           </a:p>
         </p:txBody>
@@ -10643,10 +10643,10 @@
                     <a:lumMod val="65000"/>
                   </a:schemeClr>
                 </a:solidFill>
-                <a:latin typeface="Arial" panose="020B0604020202090204" pitchFamily="34" charset="0"/>
+                <a:latin typeface="Arial" panose="020B0604020202020204" pitchFamily="34" charset="0"/>
                 <a:ea typeface="微软雅黑" panose="020B0503020204020204" pitchFamily="34" charset="-122"/>
                 <a:cs typeface="+mn-ea"/>
-                <a:sym typeface="Arial" panose="020B0604020202090204" pitchFamily="34" charset="0"/>
+                <a:sym typeface="Arial" panose="020B0604020202020204" pitchFamily="34" charset="0"/>
               </a:rPr>
               <a:t>04</a:t>
             </a:r>
@@ -10656,10 +10656,10 @@
                   <a:lumMod val="65000"/>
                 </a:schemeClr>
               </a:solidFill>
-              <a:latin typeface="Arial" panose="020B0604020202090204" pitchFamily="34" charset="0"/>
+              <a:latin typeface="Arial" panose="020B0604020202020204" pitchFamily="34" charset="0"/>
               <a:ea typeface="微软雅黑" panose="020B0503020204020204" pitchFamily="34" charset="-122"/>
               <a:cs typeface="+mn-ea"/>
-              <a:sym typeface="Arial" panose="020B0604020202090204" pitchFamily="34" charset="0"/>
+              <a:sym typeface="Arial" panose="020B0604020202020204" pitchFamily="34" charset="0"/>
             </a:endParaRPr>
           </a:p>
         </p:txBody>
@@ -10719,10 +10719,10 @@
                     <a:lumMod val="65000"/>
                   </a:schemeClr>
                 </a:solidFill>
-                <a:latin typeface="Arial" panose="020B0604020202090204" pitchFamily="34" charset="0"/>
+                <a:latin typeface="Arial" panose="020B0604020202020204" pitchFamily="34" charset="0"/>
                 <a:ea typeface="微软雅黑" panose="020B0503020204020204" pitchFamily="34" charset="-122"/>
                 <a:cs typeface="+mn-ea"/>
-                <a:sym typeface="Arial" panose="020B0604020202090204" pitchFamily="34" charset="0"/>
+                <a:sym typeface="Arial" panose="020B0604020202020204" pitchFamily="34" charset="0"/>
               </a:rPr>
               <a:t>03</a:t>
             </a:r>
@@ -10732,10 +10732,10 @@
                   <a:lumMod val="65000"/>
                 </a:schemeClr>
               </a:solidFill>
-              <a:latin typeface="Arial" panose="020B0604020202090204" pitchFamily="34" charset="0"/>
+              <a:latin typeface="Arial" panose="020B0604020202020204" pitchFamily="34" charset="0"/>
               <a:ea typeface="微软雅黑" panose="020B0503020204020204" pitchFamily="34" charset="-122"/>
               <a:cs typeface="+mn-ea"/>
-              <a:sym typeface="Arial" panose="020B0604020202090204" pitchFamily="34" charset="0"/>
+              <a:sym typeface="Arial" panose="020B0604020202020204" pitchFamily="34" charset="0"/>
             </a:endParaRPr>
           </a:p>
         </p:txBody>
@@ -10795,10 +10795,10 @@
                     <a:lumMod val="65000"/>
                   </a:schemeClr>
                 </a:solidFill>
-                <a:latin typeface="Arial" panose="020B0604020202090204" pitchFamily="34" charset="0"/>
+                <a:latin typeface="Arial" panose="020B0604020202020204" pitchFamily="34" charset="0"/>
                 <a:ea typeface="微软雅黑" panose="020B0503020204020204" pitchFamily="34" charset="-122"/>
                 <a:cs typeface="+mn-ea"/>
-                <a:sym typeface="Arial" panose="020B0604020202090204" pitchFamily="34" charset="0"/>
+                <a:sym typeface="Arial" panose="020B0604020202020204" pitchFamily="34" charset="0"/>
               </a:rPr>
               <a:t>05</a:t>
             </a:r>
@@ -10808,10 +10808,10 @@
                   <a:lumMod val="65000"/>
                 </a:schemeClr>
               </a:solidFill>
-              <a:latin typeface="Arial" panose="020B0604020202090204" pitchFamily="34" charset="0"/>
+              <a:latin typeface="Arial" panose="020B0604020202020204" pitchFamily="34" charset="0"/>
               <a:ea typeface="微软雅黑" panose="020B0503020204020204" pitchFamily="34" charset="-122"/>
               <a:cs typeface="+mn-ea"/>
-              <a:sym typeface="Arial" panose="020B0604020202090204" pitchFamily="34" charset="0"/>
+              <a:sym typeface="Arial" panose="020B0604020202020204" pitchFamily="34" charset="0"/>
             </a:endParaRPr>
           </a:p>
         </p:txBody>
@@ -10871,10 +10871,10 @@
                     <a:lumMod val="65000"/>
                   </a:schemeClr>
                 </a:solidFill>
-                <a:latin typeface="Arial" panose="020B0604020202090204" pitchFamily="34" charset="0"/>
+                <a:latin typeface="Arial" panose="020B0604020202020204" pitchFamily="34" charset="0"/>
                 <a:ea typeface="微软雅黑" panose="020B0503020204020204" pitchFamily="34" charset="-122"/>
                 <a:cs typeface="+mn-ea"/>
-                <a:sym typeface="Arial" panose="020B0604020202090204" pitchFamily="34" charset="0"/>
+                <a:sym typeface="Arial" panose="020B0604020202020204" pitchFamily="34" charset="0"/>
               </a:rPr>
               <a:t>01</a:t>
             </a:r>
@@ -10884,10 +10884,10 @@
                   <a:lumMod val="65000"/>
                 </a:schemeClr>
               </a:solidFill>
-              <a:latin typeface="Arial" panose="020B0604020202090204" pitchFamily="34" charset="0"/>
+              <a:latin typeface="Arial" panose="020B0604020202020204" pitchFamily="34" charset="0"/>
               <a:ea typeface="微软雅黑" panose="020B0503020204020204" pitchFamily="34" charset="-122"/>
               <a:cs typeface="+mn-ea"/>
-              <a:sym typeface="Arial" panose="020B0604020202090204" pitchFamily="34" charset="0"/>
+              <a:sym typeface="Arial" panose="020B0604020202020204" pitchFamily="34" charset="0"/>
             </a:endParaRPr>
           </a:p>
         </p:txBody>
@@ -10960,10 +10960,10 @@
                     <a:lumMod val="65000"/>
                   </a:schemeClr>
                 </a:solidFill>
-                <a:latin typeface="Arial" panose="020B0604020202090204" pitchFamily="34" charset="0"/>
+                <a:latin typeface="Arial" panose="020B0604020202020204" pitchFamily="34" charset="0"/>
                 <a:ea typeface="微软雅黑" panose="020B0503020204020204" pitchFamily="34" charset="-122"/>
                 <a:cs typeface="+mn-ea"/>
-                <a:sym typeface="Arial" panose="020B0604020202090204" pitchFamily="34" charset="0"/>
+                <a:sym typeface="Arial" panose="020B0604020202020204" pitchFamily="34" charset="0"/>
               </a:endParaRPr>
             </a:p>
           </p:txBody>
@@ -11492,10 +11492,10 @@
                     <a:lumMod val="65000"/>
                   </a:schemeClr>
                 </a:solidFill>
-                <a:latin typeface="Arial" panose="020B0604020202090204" pitchFamily="34" charset="0"/>
+                <a:latin typeface="Arial" panose="020B0604020202020204" pitchFamily="34" charset="0"/>
                 <a:ea typeface="微软雅黑" panose="020B0503020204020204" pitchFamily="34" charset="-122"/>
                 <a:cs typeface="+mn-ea"/>
-                <a:sym typeface="Arial" panose="020B0604020202090204" pitchFamily="34" charset="0"/>
+                <a:sym typeface="Arial" panose="020B0604020202020204" pitchFamily="34" charset="0"/>
               </a:endParaRPr>
             </a:p>
           </p:txBody>
@@ -11569,10 +11569,10 @@
                     <a:lumMod val="65000"/>
                   </a:schemeClr>
                 </a:solidFill>
-                <a:latin typeface="Arial" panose="020B0604020202090204" pitchFamily="34" charset="0"/>
+                <a:latin typeface="Arial" panose="020B0604020202020204" pitchFamily="34" charset="0"/>
                 <a:ea typeface="微软雅黑" panose="020B0503020204020204" pitchFamily="34" charset="-122"/>
                 <a:cs typeface="+mn-ea"/>
-                <a:sym typeface="Arial" panose="020B0604020202090204" pitchFamily="34" charset="0"/>
+                <a:sym typeface="Arial" panose="020B0604020202020204" pitchFamily="34" charset="0"/>
               </a:endParaRPr>
             </a:p>
           </p:txBody>
@@ -11735,10 +11735,10 @@
                     <a:lumMod val="65000"/>
                   </a:schemeClr>
                 </a:solidFill>
-                <a:latin typeface="Arial" panose="020B0604020202090204" pitchFamily="34" charset="0"/>
+                <a:latin typeface="Arial" panose="020B0604020202020204" pitchFamily="34" charset="0"/>
                 <a:ea typeface="微软雅黑" panose="020B0503020204020204" pitchFamily="34" charset="-122"/>
                 <a:cs typeface="+mn-ea"/>
-                <a:sym typeface="Arial" panose="020B0604020202090204" pitchFamily="34" charset="0"/>
+                <a:sym typeface="Arial" panose="020B0604020202020204" pitchFamily="34" charset="0"/>
               </a:endParaRPr>
             </a:p>
           </p:txBody>
@@ -11812,10 +11812,10 @@
                     <a:lumMod val="65000"/>
                   </a:schemeClr>
                 </a:solidFill>
-                <a:latin typeface="Arial" panose="020B0604020202090204" pitchFamily="34" charset="0"/>
+                <a:latin typeface="Arial" panose="020B0604020202020204" pitchFamily="34" charset="0"/>
                 <a:ea typeface="微软雅黑" panose="020B0503020204020204" pitchFamily="34" charset="-122"/>
                 <a:cs typeface="+mn-ea"/>
-                <a:sym typeface="Arial" panose="020B0604020202090204" pitchFamily="34" charset="0"/>
+                <a:sym typeface="Arial" panose="020B0604020202020204" pitchFamily="34" charset="0"/>
               </a:endParaRPr>
             </a:p>
           </p:txBody>
@@ -12161,10 +12161,10 @@
                     <a:lumMod val="65000"/>
                   </a:schemeClr>
                 </a:solidFill>
-                <a:latin typeface="Arial" panose="020B0604020202090204" pitchFamily="34" charset="0"/>
+                <a:latin typeface="Arial" panose="020B0604020202020204" pitchFamily="34" charset="0"/>
                 <a:ea typeface="微软雅黑" panose="020B0503020204020204" pitchFamily="34" charset="-122"/>
                 <a:cs typeface="+mn-ea"/>
-                <a:sym typeface="Arial" panose="020B0604020202090204" pitchFamily="34" charset="0"/>
+                <a:sym typeface="Arial" panose="020B0604020202020204" pitchFamily="34" charset="0"/>
               </a:endParaRPr>
             </a:p>
           </p:txBody>
@@ -12238,10 +12238,10 @@
                     <a:lumMod val="65000"/>
                   </a:schemeClr>
                 </a:solidFill>
-                <a:latin typeface="Arial" panose="020B0604020202090204" pitchFamily="34" charset="0"/>
+                <a:latin typeface="Arial" panose="020B0604020202020204" pitchFamily="34" charset="0"/>
                 <a:ea typeface="微软雅黑" panose="020B0503020204020204" pitchFamily="34" charset="-122"/>
                 <a:cs typeface="+mn-ea"/>
-                <a:sym typeface="Arial" panose="020B0604020202090204" pitchFamily="34" charset="0"/>
+                <a:sym typeface="Arial" panose="020B0604020202020204" pitchFamily="34" charset="0"/>
               </a:endParaRPr>
             </a:p>
           </p:txBody>
@@ -12588,10 +12588,10 @@
                     <a:lumMod val="65000"/>
                   </a:schemeClr>
                 </a:solidFill>
-                <a:latin typeface="Arial" panose="020B0604020202090204" pitchFamily="34" charset="0"/>
+                <a:latin typeface="Arial" panose="020B0604020202020204" pitchFamily="34" charset="0"/>
                 <a:ea typeface="微软雅黑" panose="020B0503020204020204" pitchFamily="34" charset="-122"/>
                 <a:cs typeface="+mn-ea"/>
-                <a:sym typeface="Arial" panose="020B0604020202090204" pitchFamily="34" charset="0"/>
+                <a:sym typeface="Arial" panose="020B0604020202020204" pitchFamily="34" charset="0"/>
               </a:endParaRPr>
             </a:p>
           </p:txBody>
@@ -12665,10 +12665,10 @@
                     <a:lumMod val="65000"/>
                   </a:schemeClr>
                 </a:solidFill>
-                <a:latin typeface="Arial" panose="020B0604020202090204" pitchFamily="34" charset="0"/>
+                <a:latin typeface="Arial" panose="020B0604020202020204" pitchFamily="34" charset="0"/>
                 <a:ea typeface="微软雅黑" panose="020B0503020204020204" pitchFamily="34" charset="-122"/>
                 <a:cs typeface="+mn-ea"/>
-                <a:sym typeface="Arial" panose="020B0604020202090204" pitchFamily="34" charset="0"/>
+                <a:sym typeface="Arial" panose="020B0604020202020204" pitchFamily="34" charset="0"/>
               </a:endParaRPr>
             </a:p>
           </p:txBody>
@@ -12907,10 +12907,10 @@
                     <a:lumMod val="65000"/>
                   </a:schemeClr>
                 </a:solidFill>
-                <a:latin typeface="Arial" panose="020B0604020202090204" pitchFamily="34" charset="0"/>
+                <a:latin typeface="Arial" panose="020B0604020202020204" pitchFamily="34" charset="0"/>
                 <a:ea typeface="微软雅黑" panose="020B0503020204020204" pitchFamily="34" charset="-122"/>
                 <a:cs typeface="+mn-ea"/>
-                <a:sym typeface="Arial" panose="020B0604020202090204" pitchFamily="34" charset="0"/>
+                <a:sym typeface="Arial" panose="020B0604020202020204" pitchFamily="34" charset="0"/>
               </a:endParaRPr>
             </a:p>
           </p:txBody>
@@ -12976,10 +12976,10 @@
                     <a:lumMod val="65000"/>
                   </a:schemeClr>
                 </a:solidFill>
-                <a:latin typeface="Arial" panose="020B0604020202090204" pitchFamily="34" charset="0"/>
+                <a:latin typeface="Arial" panose="020B0604020202020204" pitchFamily="34" charset="0"/>
                 <a:ea typeface="微软雅黑" panose="020B0503020204020204" pitchFamily="34" charset="-122"/>
                 <a:cs typeface="+mn-ea"/>
-                <a:sym typeface="Arial" panose="020B0604020202090204" pitchFamily="34" charset="0"/>
+                <a:sym typeface="Arial" panose="020B0604020202020204" pitchFamily="34" charset="0"/>
               </a:rPr>
               <a:t>12</a:t>
             </a:r>
@@ -12990,10 +12990,10 @@
                     <a:lumMod val="65000"/>
                   </a:schemeClr>
                 </a:solidFill>
-                <a:latin typeface="Arial" panose="020B0604020202090204" pitchFamily="34" charset="0"/>
+                <a:latin typeface="Arial" panose="020B0604020202020204" pitchFamily="34" charset="0"/>
                 <a:ea typeface="微软雅黑" panose="020B0503020204020204" pitchFamily="34" charset="-122"/>
                 <a:cs typeface="+mn-ea"/>
-                <a:sym typeface="Arial" panose="020B0604020202090204" pitchFamily="34" charset="0"/>
+                <a:sym typeface="Arial" panose="020B0604020202020204" pitchFamily="34" charset="0"/>
               </a:rPr>
               <a:t>月完成容器化部署和平台化</a:t>
             </a:r>
@@ -13003,10 +13003,10 @@
                   <a:lumMod val="65000"/>
                 </a:schemeClr>
               </a:solidFill>
-              <a:latin typeface="Arial" panose="020B0604020202090204" pitchFamily="34" charset="0"/>
+              <a:latin typeface="Arial" panose="020B0604020202020204" pitchFamily="34" charset="0"/>
               <a:ea typeface="微软雅黑" panose="020B0503020204020204" pitchFamily="34" charset="-122"/>
               <a:cs typeface="+mn-ea"/>
-              <a:sym typeface="Arial" panose="020B0604020202090204" pitchFamily="34" charset="0"/>
+              <a:sym typeface="Arial" panose="020B0604020202020204" pitchFamily="34" charset="0"/>
             </a:endParaRPr>
           </a:p>
         </p:txBody>
@@ -18144,7 +18144,7 @@
               <a:spcBef>
                 <a:spcPct val="20000"/>
               </a:spcBef>
-              <a:buFont typeface="Arial" panose="020B0604020202090204" pitchFamily="34" charset="0"/>
+              <a:buFont typeface="Arial" panose="020B0604020202020204" pitchFamily="34" charset="0"/>
               <a:buChar char="•"/>
               <a:defRPr sz="3200">
                 <a:solidFill>
@@ -18159,7 +18159,7 @@
               <a:spcBef>
                 <a:spcPct val="20000"/>
               </a:spcBef>
-              <a:buFont typeface="Arial" panose="020B0604020202090204" pitchFamily="34" charset="0"/>
+              <a:buFont typeface="Arial" panose="020B0604020202020204" pitchFamily="34" charset="0"/>
               <a:buChar char="–"/>
               <a:defRPr sz="2800">
                 <a:solidFill>
@@ -18174,7 +18174,7 @@
               <a:spcBef>
                 <a:spcPct val="20000"/>
               </a:spcBef>
-              <a:buFont typeface="Arial" panose="020B0604020202090204" pitchFamily="34" charset="0"/>
+              <a:buFont typeface="Arial" panose="020B0604020202020204" pitchFamily="34" charset="0"/>
               <a:buChar char="•"/>
               <a:defRPr sz="2400">
                 <a:solidFill>
@@ -18189,7 +18189,7 @@
               <a:spcBef>
                 <a:spcPct val="20000"/>
               </a:spcBef>
-              <a:buFont typeface="Arial" panose="020B0604020202090204" pitchFamily="34" charset="0"/>
+              <a:buFont typeface="Arial" panose="020B0604020202020204" pitchFamily="34" charset="0"/>
               <a:buChar char="–"/>
               <a:defRPr sz="2000">
                 <a:solidFill>
@@ -18204,7 +18204,7 @@
               <a:spcBef>
                 <a:spcPct val="20000"/>
               </a:spcBef>
-              <a:buFont typeface="Arial" panose="020B0604020202090204" pitchFamily="34" charset="0"/>
+              <a:buFont typeface="Arial" panose="020B0604020202020204" pitchFamily="34" charset="0"/>
               <a:buChar char="»"/>
               <a:defRPr sz="2000">
                 <a:solidFill>
@@ -18222,7 +18222,7 @@
               <a:spcAft>
                 <a:spcPct val="0"/>
               </a:spcAft>
-              <a:buFont typeface="Arial" panose="020B0604020202090204" pitchFamily="34" charset="0"/>
+              <a:buFont typeface="Arial" panose="020B0604020202020204" pitchFamily="34" charset="0"/>
               <a:buChar char="»"/>
               <a:defRPr sz="2000">
                 <a:solidFill>
@@ -18240,7 +18240,7 @@
               <a:spcAft>
                 <a:spcPct val="0"/>
               </a:spcAft>
-              <a:buFont typeface="Arial" panose="020B0604020202090204" pitchFamily="34" charset="0"/>
+              <a:buFont typeface="Arial" panose="020B0604020202020204" pitchFamily="34" charset="0"/>
               <a:buChar char="»"/>
               <a:defRPr sz="2000">
                 <a:solidFill>
@@ -18258,7 +18258,7 @@
               <a:spcAft>
                 <a:spcPct val="0"/>
               </a:spcAft>
-              <a:buFont typeface="Arial" panose="020B0604020202090204" pitchFamily="34" charset="0"/>
+              <a:buFont typeface="Arial" panose="020B0604020202020204" pitchFamily="34" charset="0"/>
               <a:buChar char="»"/>
               <a:defRPr sz="2000">
                 <a:solidFill>
@@ -18276,7 +18276,7 @@
               <a:spcAft>
                 <a:spcPct val="0"/>
               </a:spcAft>
-              <a:buFont typeface="Arial" panose="020B0604020202090204" pitchFamily="34" charset="0"/>
+              <a:buFont typeface="Arial" panose="020B0604020202020204" pitchFamily="34" charset="0"/>
               <a:buChar char="»"/>
               <a:defRPr sz="2000">
                 <a:solidFill>
@@ -18298,7 +18298,7 @@
                   <a:schemeClr val="accent1"/>
                 </a:solidFill>
                 <a:latin typeface="Impact" panose="020B0806030902050204" pitchFamily="34" charset="0"/>
-                <a:cs typeface="Arial" panose="020B0604020202090204" pitchFamily="34" charset="0"/>
+                <a:cs typeface="Arial" panose="020B0604020202020204" pitchFamily="34" charset="0"/>
               </a:rPr>
               <a:t>03</a:t>
             </a:r>
@@ -18307,7 +18307,7 @@
                 <a:schemeClr val="accent1"/>
               </a:solidFill>
               <a:latin typeface="Impact" panose="020B0806030902050204" pitchFamily="34" charset="0"/>
-              <a:cs typeface="Arial" panose="020B0604020202090204" pitchFamily="34" charset="0"/>
+              <a:cs typeface="Arial" panose="020B0604020202020204" pitchFamily="34" charset="0"/>
             </a:endParaRPr>
           </a:p>
         </p:txBody>
@@ -18545,7 +18545,7 @@
           </a:bodyPr>
           <a:p>
             <a:pPr marL="285750" indent="-285750">
-              <a:buFont typeface="Arial" panose="020B0604020202090204" pitchFamily="34" charset="0"/>
+              <a:buFont typeface="Arial" panose="020B0604020202020204" pitchFamily="34" charset="0"/>
               <a:buChar char="•"/>
             </a:pPr>
             <a:r>
@@ -18556,7 +18556,7 @@
           </a:p>
           <a:p>
             <a:pPr marL="285750" indent="-285750">
-              <a:buFont typeface="Arial" panose="020B0604020202090204" pitchFamily="34" charset="0"/>
+              <a:buFont typeface="Arial" panose="020B0604020202020204" pitchFamily="34" charset="0"/>
               <a:buChar char="•"/>
             </a:pPr>
             <a:r>
@@ -18567,7 +18567,7 @@
           </a:p>
           <a:p>
             <a:pPr marL="285750" indent="-285750">
-              <a:buFont typeface="Arial" panose="020B0604020202090204" pitchFamily="34" charset="0"/>
+              <a:buFont typeface="Arial" panose="020B0604020202020204" pitchFamily="34" charset="0"/>
               <a:buChar char="•"/>
             </a:pPr>
             <a:r>
@@ -18586,7 +18586,7 @@
           </a:p>
           <a:p>
             <a:pPr marL="285750" indent="-285750">
-              <a:buFont typeface="Arial" panose="020B0604020202090204" pitchFamily="34" charset="0"/>
+              <a:buFont typeface="Arial" panose="020B0604020202020204" pitchFamily="34" charset="0"/>
               <a:buChar char="•"/>
             </a:pPr>
             <a:r>
@@ -18605,7 +18605,7 @@
           </a:p>
           <a:p>
             <a:pPr marL="285750" indent="-285750">
-              <a:buFont typeface="Arial" panose="020B0604020202090204" pitchFamily="34" charset="0"/>
+              <a:buFont typeface="Arial" panose="020B0604020202020204" pitchFamily="34" charset="0"/>
               <a:buChar char="•"/>
             </a:pPr>
             <a:r>
@@ -18891,7 +18891,7 @@
                 <a:solidFill>
                   <a:schemeClr val="tx1"/>
                 </a:solidFill>
-                <a:latin typeface="Arial" panose="020B0604020202090204" pitchFamily="34" charset="0"/>
+                <a:latin typeface="Arial" panose="020B0604020202020204" pitchFamily="34" charset="0"/>
                 <a:ea typeface="宋体" panose="02010600030101010101" pitchFamily="2" charset="-122"/>
               </a:defRPr>
             </a:lvl1pPr>
@@ -18900,7 +18900,7 @@
                 <a:solidFill>
                   <a:schemeClr val="tx1"/>
                 </a:solidFill>
-                <a:latin typeface="Arial" panose="020B0604020202090204" pitchFamily="34" charset="0"/>
+                <a:latin typeface="Arial" panose="020B0604020202020204" pitchFamily="34" charset="0"/>
                 <a:ea typeface="宋体" panose="02010600030101010101" pitchFamily="2" charset="-122"/>
               </a:defRPr>
             </a:lvl2pPr>
@@ -18909,7 +18909,7 @@
                 <a:solidFill>
                   <a:schemeClr val="tx1"/>
                 </a:solidFill>
-                <a:latin typeface="Arial" panose="020B0604020202090204" pitchFamily="34" charset="0"/>
+                <a:latin typeface="Arial" panose="020B0604020202020204" pitchFamily="34" charset="0"/>
                 <a:ea typeface="宋体" panose="02010600030101010101" pitchFamily="2" charset="-122"/>
               </a:defRPr>
             </a:lvl3pPr>
@@ -18918,7 +18918,7 @@
                 <a:solidFill>
                   <a:schemeClr val="tx1"/>
                 </a:solidFill>
-                <a:latin typeface="Arial" panose="020B0604020202090204" pitchFamily="34" charset="0"/>
+                <a:latin typeface="Arial" panose="020B0604020202020204" pitchFamily="34" charset="0"/>
                 <a:ea typeface="宋体" panose="02010600030101010101" pitchFamily="2" charset="-122"/>
               </a:defRPr>
             </a:lvl4pPr>
@@ -18927,7 +18927,7 @@
                 <a:solidFill>
                   <a:schemeClr val="tx1"/>
                 </a:solidFill>
-                <a:latin typeface="Arial" panose="020B0604020202090204" pitchFamily="34" charset="0"/>
+                <a:latin typeface="Arial" panose="020B0604020202020204" pitchFamily="34" charset="0"/>
                 <a:ea typeface="宋体" panose="02010600030101010101" pitchFamily="2" charset="-122"/>
               </a:defRPr>
             </a:lvl5pPr>
@@ -18942,7 +18942,7 @@
                 <a:solidFill>
                   <a:schemeClr val="tx1"/>
                 </a:solidFill>
-                <a:latin typeface="Arial" panose="020B0604020202090204" pitchFamily="34" charset="0"/>
+                <a:latin typeface="Arial" panose="020B0604020202020204" pitchFamily="34" charset="0"/>
                 <a:ea typeface="宋体" panose="02010600030101010101" pitchFamily="2" charset="-122"/>
               </a:defRPr>
             </a:lvl6pPr>
@@ -18957,7 +18957,7 @@
                 <a:solidFill>
                   <a:schemeClr val="tx1"/>
                 </a:solidFill>
-                <a:latin typeface="Arial" panose="020B0604020202090204" pitchFamily="34" charset="0"/>
+                <a:latin typeface="Arial" panose="020B0604020202020204" pitchFamily="34" charset="0"/>
                 <a:ea typeface="宋体" panose="02010600030101010101" pitchFamily="2" charset="-122"/>
               </a:defRPr>
             </a:lvl7pPr>
@@ -18972,7 +18972,7 @@
                 <a:solidFill>
                   <a:schemeClr val="tx1"/>
                 </a:solidFill>
-                <a:latin typeface="Arial" panose="020B0604020202090204" pitchFamily="34" charset="0"/>
+                <a:latin typeface="Arial" panose="020B0604020202020204" pitchFamily="34" charset="0"/>
                 <a:ea typeface="宋体" panose="02010600030101010101" pitchFamily="2" charset="-122"/>
               </a:defRPr>
             </a:lvl8pPr>
@@ -18987,7 +18987,7 @@
                 <a:solidFill>
                   <a:schemeClr val="tx1"/>
                 </a:solidFill>
-                <a:latin typeface="Arial" panose="020B0604020202090204" pitchFamily="34" charset="0"/>
+                <a:latin typeface="Arial" panose="020B0604020202020204" pitchFamily="34" charset="0"/>
                 <a:ea typeface="宋体" panose="02010600030101010101" pitchFamily="2" charset="-122"/>
               </a:defRPr>
             </a:lvl9pPr>
@@ -19057,7 +19057,7 @@
                 <a:solidFill>
                   <a:schemeClr val="tx1"/>
                 </a:solidFill>
-                <a:latin typeface="Arial" panose="020B0604020202090204" pitchFamily="34" charset="0"/>
+                <a:latin typeface="Arial" panose="020B0604020202020204" pitchFamily="34" charset="0"/>
                 <a:ea typeface="宋体" panose="02010600030101010101" pitchFamily="2" charset="-122"/>
               </a:defRPr>
             </a:lvl1pPr>
@@ -19066,7 +19066,7 @@
                 <a:solidFill>
                   <a:schemeClr val="tx1"/>
                 </a:solidFill>
-                <a:latin typeface="Arial" panose="020B0604020202090204" pitchFamily="34" charset="0"/>
+                <a:latin typeface="Arial" panose="020B0604020202020204" pitchFamily="34" charset="0"/>
                 <a:ea typeface="宋体" panose="02010600030101010101" pitchFamily="2" charset="-122"/>
               </a:defRPr>
             </a:lvl2pPr>
@@ -19075,7 +19075,7 @@
                 <a:solidFill>
                   <a:schemeClr val="tx1"/>
                 </a:solidFill>
-                <a:latin typeface="Arial" panose="020B0604020202090204" pitchFamily="34" charset="0"/>
+                <a:latin typeface="Arial" panose="020B0604020202020204" pitchFamily="34" charset="0"/>
                 <a:ea typeface="宋体" panose="02010600030101010101" pitchFamily="2" charset="-122"/>
               </a:defRPr>
             </a:lvl3pPr>
@@ -19084,7 +19084,7 @@
                 <a:solidFill>
                   <a:schemeClr val="tx1"/>
                 </a:solidFill>
-                <a:latin typeface="Arial" panose="020B0604020202090204" pitchFamily="34" charset="0"/>
+                <a:latin typeface="Arial" panose="020B0604020202020204" pitchFamily="34" charset="0"/>
                 <a:ea typeface="宋体" panose="02010600030101010101" pitchFamily="2" charset="-122"/>
               </a:defRPr>
             </a:lvl4pPr>
@@ -19093,7 +19093,7 @@
                 <a:solidFill>
                   <a:schemeClr val="tx1"/>
                 </a:solidFill>
-                <a:latin typeface="Arial" panose="020B0604020202090204" pitchFamily="34" charset="0"/>
+                <a:latin typeface="Arial" panose="020B0604020202020204" pitchFamily="34" charset="0"/>
                 <a:ea typeface="宋体" panose="02010600030101010101" pitchFamily="2" charset="-122"/>
               </a:defRPr>
             </a:lvl5pPr>
@@ -19108,7 +19108,7 @@
                 <a:solidFill>
                   <a:schemeClr val="tx1"/>
                 </a:solidFill>
-                <a:latin typeface="Arial" panose="020B0604020202090204" pitchFamily="34" charset="0"/>
+                <a:latin typeface="Arial" panose="020B0604020202020204" pitchFamily="34" charset="0"/>
                 <a:ea typeface="宋体" panose="02010600030101010101" pitchFamily="2" charset="-122"/>
               </a:defRPr>
             </a:lvl6pPr>
@@ -19123,7 +19123,7 @@
                 <a:solidFill>
                   <a:schemeClr val="tx1"/>
                 </a:solidFill>
-                <a:latin typeface="Arial" panose="020B0604020202090204" pitchFamily="34" charset="0"/>
+                <a:latin typeface="Arial" panose="020B0604020202020204" pitchFamily="34" charset="0"/>
                 <a:ea typeface="宋体" panose="02010600030101010101" pitchFamily="2" charset="-122"/>
               </a:defRPr>
             </a:lvl7pPr>
@@ -19138,7 +19138,7 @@
                 <a:solidFill>
                   <a:schemeClr val="tx1"/>
                 </a:solidFill>
-                <a:latin typeface="Arial" panose="020B0604020202090204" pitchFamily="34" charset="0"/>
+                <a:latin typeface="Arial" panose="020B0604020202020204" pitchFamily="34" charset="0"/>
                 <a:ea typeface="宋体" panose="02010600030101010101" pitchFamily="2" charset="-122"/>
               </a:defRPr>
             </a:lvl8pPr>
@@ -19153,7 +19153,7 @@
                 <a:solidFill>
                   <a:schemeClr val="tx1"/>
                 </a:solidFill>
-                <a:latin typeface="Arial" panose="020B0604020202090204" pitchFamily="34" charset="0"/>
+                <a:latin typeface="Arial" panose="020B0604020202020204" pitchFamily="34" charset="0"/>
                 <a:ea typeface="宋体" panose="02010600030101010101" pitchFamily="2" charset="-122"/>
               </a:defRPr>
             </a:lvl9pPr>
@@ -19223,7 +19223,7 @@
                 <a:solidFill>
                   <a:schemeClr val="tx1"/>
                 </a:solidFill>
-                <a:latin typeface="Arial" panose="020B0604020202090204" pitchFamily="34" charset="0"/>
+                <a:latin typeface="Arial" panose="020B0604020202020204" pitchFamily="34" charset="0"/>
                 <a:ea typeface="宋体" panose="02010600030101010101" pitchFamily="2" charset="-122"/>
               </a:defRPr>
             </a:lvl1pPr>
@@ -19232,7 +19232,7 @@
                 <a:solidFill>
                   <a:schemeClr val="tx1"/>
                 </a:solidFill>
-                <a:latin typeface="Arial" panose="020B0604020202090204" pitchFamily="34" charset="0"/>
+                <a:latin typeface="Arial" panose="020B0604020202020204" pitchFamily="34" charset="0"/>
                 <a:ea typeface="宋体" panose="02010600030101010101" pitchFamily="2" charset="-122"/>
               </a:defRPr>
             </a:lvl2pPr>
@@ -19241,7 +19241,7 @@
                 <a:solidFill>
                   <a:schemeClr val="tx1"/>
                 </a:solidFill>
-                <a:latin typeface="Arial" panose="020B0604020202090204" pitchFamily="34" charset="0"/>
+                <a:latin typeface="Arial" panose="020B0604020202020204" pitchFamily="34" charset="0"/>
                 <a:ea typeface="宋体" panose="02010600030101010101" pitchFamily="2" charset="-122"/>
               </a:defRPr>
             </a:lvl3pPr>
@@ -19250,7 +19250,7 @@
                 <a:solidFill>
                   <a:schemeClr val="tx1"/>
                 </a:solidFill>
-                <a:latin typeface="Arial" panose="020B0604020202090204" pitchFamily="34" charset="0"/>
+                <a:latin typeface="Arial" panose="020B0604020202020204" pitchFamily="34" charset="0"/>
                 <a:ea typeface="宋体" panose="02010600030101010101" pitchFamily="2" charset="-122"/>
               </a:defRPr>
             </a:lvl4pPr>
@@ -19259,7 +19259,7 @@
                 <a:solidFill>
                   <a:schemeClr val="tx1"/>
                 </a:solidFill>
-                <a:latin typeface="Arial" panose="020B0604020202090204" pitchFamily="34" charset="0"/>
+                <a:latin typeface="Arial" panose="020B0604020202020204" pitchFamily="34" charset="0"/>
                 <a:ea typeface="宋体" panose="02010600030101010101" pitchFamily="2" charset="-122"/>
               </a:defRPr>
             </a:lvl5pPr>
@@ -19274,7 +19274,7 @@
                 <a:solidFill>
                   <a:schemeClr val="tx1"/>
                 </a:solidFill>
-                <a:latin typeface="Arial" panose="020B0604020202090204" pitchFamily="34" charset="0"/>
+                <a:latin typeface="Arial" panose="020B0604020202020204" pitchFamily="34" charset="0"/>
                 <a:ea typeface="宋体" panose="02010600030101010101" pitchFamily="2" charset="-122"/>
               </a:defRPr>
             </a:lvl6pPr>
@@ -19289,7 +19289,7 @@
                 <a:solidFill>
                   <a:schemeClr val="tx1"/>
                 </a:solidFill>
-                <a:latin typeface="Arial" panose="020B0604020202090204" pitchFamily="34" charset="0"/>
+                <a:latin typeface="Arial" panose="020B0604020202020204" pitchFamily="34" charset="0"/>
                 <a:ea typeface="宋体" panose="02010600030101010101" pitchFamily="2" charset="-122"/>
               </a:defRPr>
             </a:lvl7pPr>
@@ -19304,7 +19304,7 @@
                 <a:solidFill>
                   <a:schemeClr val="tx1"/>
                 </a:solidFill>
-                <a:latin typeface="Arial" panose="020B0604020202090204" pitchFamily="34" charset="0"/>
+                <a:latin typeface="Arial" panose="020B0604020202020204" pitchFamily="34" charset="0"/>
                 <a:ea typeface="宋体" panose="02010600030101010101" pitchFamily="2" charset="-122"/>
               </a:defRPr>
             </a:lvl8pPr>
@@ -19319,7 +19319,7 @@
                 <a:solidFill>
                   <a:schemeClr val="tx1"/>
                 </a:solidFill>
-                <a:latin typeface="Arial" panose="020B0604020202090204" pitchFamily="34" charset="0"/>
+                <a:latin typeface="Arial" panose="020B0604020202020204" pitchFamily="34" charset="0"/>
                 <a:ea typeface="宋体" panose="02010600030101010101" pitchFamily="2" charset="-122"/>
               </a:defRPr>
             </a:lvl9pPr>
@@ -19389,7 +19389,7 @@
                 <a:solidFill>
                   <a:schemeClr val="tx1"/>
                 </a:solidFill>
-                <a:latin typeface="Arial" panose="020B0604020202090204" pitchFamily="34" charset="0"/>
+                <a:latin typeface="Arial" panose="020B0604020202020204" pitchFamily="34" charset="0"/>
                 <a:ea typeface="宋体" panose="02010600030101010101" pitchFamily="2" charset="-122"/>
               </a:defRPr>
             </a:lvl1pPr>
@@ -19398,7 +19398,7 @@
                 <a:solidFill>
                   <a:schemeClr val="tx1"/>
                 </a:solidFill>
-                <a:latin typeface="Arial" panose="020B0604020202090204" pitchFamily="34" charset="0"/>
+                <a:latin typeface="Arial" panose="020B0604020202020204" pitchFamily="34" charset="0"/>
                 <a:ea typeface="宋体" panose="02010600030101010101" pitchFamily="2" charset="-122"/>
               </a:defRPr>
             </a:lvl2pPr>
@@ -19407,7 +19407,7 @@
                 <a:solidFill>
                   <a:schemeClr val="tx1"/>
                 </a:solidFill>
-                <a:latin typeface="Arial" panose="020B0604020202090204" pitchFamily="34" charset="0"/>
+                <a:latin typeface="Arial" panose="020B0604020202020204" pitchFamily="34" charset="0"/>
                 <a:ea typeface="宋体" panose="02010600030101010101" pitchFamily="2" charset="-122"/>
               </a:defRPr>
             </a:lvl3pPr>
@@ -19416,7 +19416,7 @@
                 <a:solidFill>
                   <a:schemeClr val="tx1"/>
                 </a:solidFill>
-                <a:latin typeface="Arial" panose="020B0604020202090204" pitchFamily="34" charset="0"/>
+                <a:latin typeface="Arial" panose="020B0604020202020204" pitchFamily="34" charset="0"/>
                 <a:ea typeface="宋体" panose="02010600030101010101" pitchFamily="2" charset="-122"/>
               </a:defRPr>
             </a:lvl4pPr>
@@ -19425,7 +19425,7 @@
                 <a:solidFill>
                   <a:schemeClr val="tx1"/>
                 </a:solidFill>
-                <a:latin typeface="Arial" panose="020B0604020202090204" pitchFamily="34" charset="0"/>
+                <a:latin typeface="Arial" panose="020B0604020202020204" pitchFamily="34" charset="0"/>
                 <a:ea typeface="宋体" panose="02010600030101010101" pitchFamily="2" charset="-122"/>
               </a:defRPr>
             </a:lvl5pPr>
@@ -19440,7 +19440,7 @@
                 <a:solidFill>
                   <a:schemeClr val="tx1"/>
                 </a:solidFill>
-                <a:latin typeface="Arial" panose="020B0604020202090204" pitchFamily="34" charset="0"/>
+                <a:latin typeface="Arial" panose="020B0604020202020204" pitchFamily="34" charset="0"/>
                 <a:ea typeface="宋体" panose="02010600030101010101" pitchFamily="2" charset="-122"/>
               </a:defRPr>
             </a:lvl6pPr>
@@ -19455,7 +19455,7 @@
                 <a:solidFill>
                   <a:schemeClr val="tx1"/>
                 </a:solidFill>
-                <a:latin typeface="Arial" panose="020B0604020202090204" pitchFamily="34" charset="0"/>
+                <a:latin typeface="Arial" panose="020B0604020202020204" pitchFamily="34" charset="0"/>
                 <a:ea typeface="宋体" panose="02010600030101010101" pitchFamily="2" charset="-122"/>
               </a:defRPr>
             </a:lvl7pPr>
@@ -19470,7 +19470,7 @@
                 <a:solidFill>
                   <a:schemeClr val="tx1"/>
                 </a:solidFill>
-                <a:latin typeface="Arial" panose="020B0604020202090204" pitchFamily="34" charset="0"/>
+                <a:latin typeface="Arial" panose="020B0604020202020204" pitchFamily="34" charset="0"/>
                 <a:ea typeface="宋体" panose="02010600030101010101" pitchFamily="2" charset="-122"/>
               </a:defRPr>
             </a:lvl8pPr>
@@ -19485,7 +19485,7 @@
                 <a:solidFill>
                   <a:schemeClr val="tx1"/>
                 </a:solidFill>
-                <a:latin typeface="Arial" panose="020B0604020202090204" pitchFamily="34" charset="0"/>
+                <a:latin typeface="Arial" panose="020B0604020202020204" pitchFamily="34" charset="0"/>
                 <a:ea typeface="宋体" panose="02010600030101010101" pitchFamily="2" charset="-122"/>
               </a:defRPr>
             </a:lvl9pPr>
@@ -20296,9 +20296,9 @@
                 <a:solidFill>
                   <a:schemeClr val="accent1"/>
                 </a:solidFill>
-                <a:latin typeface="Arial" panose="020B0604020202090204" pitchFamily="34" charset="0"/>
+                <a:latin typeface="Arial" panose="020B0604020202020204" pitchFamily="34" charset="0"/>
                 <a:ea typeface="微软雅黑" panose="020B0503020204020204" pitchFamily="34" charset="-122"/>
-                <a:sym typeface="Arial" panose="020B0604020202090204" pitchFamily="34" charset="0"/>
+                <a:sym typeface="Arial" panose="020B0604020202020204" pitchFamily="34" charset="0"/>
               </a:rPr>
               <a:t>目录</a:t>
             </a:r>
@@ -20306,9 +20306,9 @@
               <a:solidFill>
                 <a:schemeClr val="accent1"/>
               </a:solidFill>
-              <a:latin typeface="Arial" panose="020B0604020202090204" pitchFamily="34" charset="0"/>
+              <a:latin typeface="Arial" panose="020B0604020202020204" pitchFamily="34" charset="0"/>
               <a:ea typeface="微软雅黑" panose="020B0503020204020204" pitchFamily="34" charset="-122"/>
-              <a:sym typeface="Arial" panose="020B0604020202090204" pitchFamily="34" charset="0"/>
+              <a:sym typeface="Arial" panose="020B0604020202020204" pitchFamily="34" charset="0"/>
             </a:endParaRPr>
           </a:p>
         </p:txBody>
@@ -20347,9 +20347,9 @@
                 <a:solidFill>
                   <a:schemeClr val="accent1"/>
                 </a:solidFill>
-                <a:latin typeface="Arial" panose="020B0604020202090204" pitchFamily="34" charset="0"/>
+                <a:latin typeface="Arial" panose="020B0604020202020204" pitchFamily="34" charset="0"/>
                 <a:ea typeface="微软雅黑" panose="020B0503020204020204" pitchFamily="34" charset="-122"/>
-                <a:sym typeface="Arial" panose="020B0604020202090204" pitchFamily="34" charset="0"/>
+                <a:sym typeface="Arial" panose="020B0604020202020204" pitchFamily="34" charset="0"/>
               </a:rPr>
               <a:t>CONTENTS</a:t>
             </a:r>
@@ -20357,9 +20357,9 @@
               <a:solidFill>
                 <a:schemeClr val="accent1"/>
               </a:solidFill>
-              <a:latin typeface="Arial" panose="020B0604020202090204" pitchFamily="34" charset="0"/>
+              <a:latin typeface="Arial" panose="020B0604020202020204" pitchFamily="34" charset="0"/>
               <a:ea typeface="微软雅黑" panose="020B0503020204020204" pitchFamily="34" charset="-122"/>
-              <a:sym typeface="Arial" panose="020B0604020202090204" pitchFamily="34" charset="0"/>
+              <a:sym typeface="Arial" panose="020B0604020202020204" pitchFamily="34" charset="0"/>
             </a:endParaRPr>
           </a:p>
         </p:txBody>
@@ -20692,7 +20692,7 @@
           </a:bodyPr>
           <a:p>
             <a:pPr marL="342900" indent="-342900">
-              <a:buFont typeface="Arial" panose="020B0604020202090204" pitchFamily="34" charset="0"/>
+              <a:buFont typeface="Arial" panose="020B0604020202020204" pitchFamily="34" charset="0"/>
               <a:buChar char="•"/>
             </a:pPr>
             <a:r>
@@ -20703,7 +20703,7 @@
           </a:p>
           <a:p>
             <a:pPr marL="342900" indent="-342900">
-              <a:buFont typeface="Arial" panose="020B0604020202090204" pitchFamily="34" charset="0"/>
+              <a:buFont typeface="Arial" panose="020B0604020202020204" pitchFamily="34" charset="0"/>
               <a:buChar char="•"/>
             </a:pPr>
             <a:r>
@@ -20714,7 +20714,7 @@
           </a:p>
           <a:p>
             <a:pPr marL="342900" indent="-342900">
-              <a:buFont typeface="Arial" panose="020B0604020202090204" pitchFamily="34" charset="0"/>
+              <a:buFont typeface="Arial" panose="020B0604020202020204" pitchFamily="34" charset="0"/>
               <a:buChar char="•"/>
             </a:pPr>
             <a:r>
@@ -21987,9 +21987,9 @@
                       <a:lumMod val="65000"/>
                     </a:schemeClr>
                   </a:solidFill>
-                  <a:latin typeface="Arial" panose="020B0604020202090204" pitchFamily="34" charset="0"/>
+                  <a:latin typeface="Arial" panose="020B0604020202020204" pitchFamily="34" charset="0"/>
                   <a:ea typeface="微软雅黑" panose="020B0503020204020204" pitchFamily="34" charset="-122"/>
-                  <a:sym typeface="Arial" panose="020B0604020202090204" pitchFamily="34" charset="0"/>
+                  <a:sym typeface="Arial" panose="020B0604020202020204" pitchFamily="34" charset="0"/>
                 </a:rPr>
                 <a:t>完成客户端的灰度及热更新系统的构建</a:t>
               </a:r>
@@ -21999,9 +21999,9 @@
                     <a:lumMod val="65000"/>
                   </a:schemeClr>
                 </a:solidFill>
-                <a:latin typeface="Arial" panose="020B0604020202090204" pitchFamily="34" charset="0"/>
+                <a:latin typeface="Arial" panose="020B0604020202020204" pitchFamily="34" charset="0"/>
                 <a:ea typeface="微软雅黑" panose="020B0503020204020204" pitchFamily="34" charset="-122"/>
-                <a:sym typeface="Arial" panose="020B0604020202090204" pitchFamily="34" charset="0"/>
+                <a:sym typeface="Arial" panose="020B0604020202020204" pitchFamily="34" charset="0"/>
               </a:endParaRPr>
             </a:p>
           </p:txBody>
@@ -22466,9 +22466,9 @@
                       <a:lumMod val="65000"/>
                     </a:schemeClr>
                   </a:solidFill>
-                  <a:latin typeface="Arial" panose="020B0604020202090204" pitchFamily="34" charset="0"/>
+                  <a:latin typeface="Arial" panose="020B0604020202020204" pitchFamily="34" charset="0"/>
                   <a:ea typeface="微软雅黑" panose="020B0503020204020204" pitchFamily="34" charset="-122"/>
-                  <a:sym typeface="Arial" panose="020B0604020202090204" pitchFamily="34" charset="0"/>
+                  <a:sym typeface="Arial" panose="020B0604020202020204" pitchFamily="34" charset="0"/>
                 </a:rPr>
                 <a:t>统一内部系统的认证及管理（</a:t>
               </a:r>
@@ -22479,9 +22479,9 @@
                       <a:lumMod val="65000"/>
                     </a:schemeClr>
                   </a:solidFill>
-                  <a:latin typeface="Arial" panose="020B0604020202090204" pitchFamily="34" charset="0"/>
+                  <a:latin typeface="Arial" panose="020B0604020202020204" pitchFamily="34" charset="0"/>
                   <a:ea typeface="微软雅黑" panose="020B0503020204020204" pitchFamily="34" charset="-122"/>
-                  <a:sym typeface="Arial" panose="020B0604020202090204" pitchFamily="34" charset="0"/>
+                  <a:sym typeface="Arial" panose="020B0604020202020204" pitchFamily="34" charset="0"/>
                 </a:rPr>
                 <a:t>Jenkins</a:t>
               </a:r>
@@ -22492,9 +22492,9 @@
                       <a:lumMod val="65000"/>
                     </a:schemeClr>
                   </a:solidFill>
-                  <a:latin typeface="Arial" panose="020B0604020202090204" pitchFamily="34" charset="0"/>
+                  <a:latin typeface="Arial" panose="020B0604020202020204" pitchFamily="34" charset="0"/>
                   <a:ea typeface="微软雅黑" panose="020B0503020204020204" pitchFamily="34" charset="-122"/>
-                  <a:sym typeface="Arial" panose="020B0604020202090204" pitchFamily="34" charset="0"/>
+                  <a:sym typeface="Arial" panose="020B0604020202020204" pitchFamily="34" charset="0"/>
                 </a:rPr>
                 <a:t>、</a:t>
               </a:r>
@@ -22505,9 +22505,9 @@
                       <a:lumMod val="65000"/>
                     </a:schemeClr>
                   </a:solidFill>
-                  <a:latin typeface="Arial" panose="020B0604020202090204" pitchFamily="34" charset="0"/>
+                  <a:latin typeface="Arial" panose="020B0604020202020204" pitchFamily="34" charset="0"/>
                   <a:ea typeface="微软雅黑" panose="020B0503020204020204" pitchFamily="34" charset="-122"/>
-                  <a:sym typeface="Arial" panose="020B0604020202090204" pitchFamily="34" charset="0"/>
+                  <a:sym typeface="Arial" panose="020B0604020202020204" pitchFamily="34" charset="0"/>
                 </a:rPr>
                 <a:t>Wiki</a:t>
               </a:r>
@@ -22518,9 +22518,9 @@
                       <a:lumMod val="65000"/>
                     </a:schemeClr>
                   </a:solidFill>
-                  <a:latin typeface="Arial" panose="020B0604020202090204" pitchFamily="34" charset="0"/>
+                  <a:latin typeface="Arial" panose="020B0604020202020204" pitchFamily="34" charset="0"/>
                   <a:ea typeface="微软雅黑" panose="020B0503020204020204" pitchFamily="34" charset="-122"/>
-                  <a:sym typeface="Arial" panose="020B0604020202090204" pitchFamily="34" charset="0"/>
+                  <a:sym typeface="Arial" panose="020B0604020202020204" pitchFamily="34" charset="0"/>
                 </a:rPr>
                 <a:t>、</a:t>
               </a:r>
@@ -22531,9 +22531,9 @@
                       <a:lumMod val="65000"/>
                     </a:schemeClr>
                   </a:solidFill>
-                  <a:latin typeface="Arial" panose="020B0604020202090204" pitchFamily="34" charset="0"/>
+                  <a:latin typeface="Arial" panose="020B0604020202020204" pitchFamily="34" charset="0"/>
                   <a:ea typeface="微软雅黑" panose="020B0503020204020204" pitchFamily="34" charset="-122"/>
-                  <a:sym typeface="Arial" panose="020B0604020202090204" pitchFamily="34" charset="0"/>
+                  <a:sym typeface="Arial" panose="020B0604020202020204" pitchFamily="34" charset="0"/>
                 </a:rPr>
                 <a:t>Jira</a:t>
               </a:r>
@@ -22544,9 +22544,9 @@
                       <a:lumMod val="65000"/>
                     </a:schemeClr>
                   </a:solidFill>
-                  <a:latin typeface="Arial" panose="020B0604020202090204" pitchFamily="34" charset="0"/>
+                  <a:latin typeface="Arial" panose="020B0604020202020204" pitchFamily="34" charset="0"/>
                   <a:ea typeface="微软雅黑" panose="020B0503020204020204" pitchFamily="34" charset="-122"/>
-                  <a:sym typeface="Arial" panose="020B0604020202090204" pitchFamily="34" charset="0"/>
+                  <a:sym typeface="Arial" panose="020B0604020202020204" pitchFamily="34" charset="0"/>
                 </a:rPr>
                 <a:t>、</a:t>
               </a:r>
@@ -22557,9 +22557,9 @@
                       <a:lumMod val="65000"/>
                     </a:schemeClr>
                   </a:solidFill>
-                  <a:latin typeface="Arial" panose="020B0604020202090204" pitchFamily="34" charset="0"/>
+                  <a:latin typeface="Arial" panose="020B0604020202020204" pitchFamily="34" charset="0"/>
                   <a:ea typeface="微软雅黑" panose="020B0503020204020204" pitchFamily="34" charset="-122"/>
-                  <a:sym typeface="Arial" panose="020B0604020202090204" pitchFamily="34" charset="0"/>
+                  <a:sym typeface="Arial" panose="020B0604020202020204" pitchFamily="34" charset="0"/>
                 </a:rPr>
                 <a:t>Wifi</a:t>
               </a:r>
@@ -22570,9 +22570,9 @@
                       <a:lumMod val="65000"/>
                     </a:schemeClr>
                   </a:solidFill>
-                  <a:latin typeface="Arial" panose="020B0604020202090204" pitchFamily="34" charset="0"/>
+                  <a:latin typeface="Arial" panose="020B0604020202020204" pitchFamily="34" charset="0"/>
                   <a:ea typeface="微软雅黑" panose="020B0503020204020204" pitchFamily="34" charset="-122"/>
-                  <a:sym typeface="Arial" panose="020B0604020202090204" pitchFamily="34" charset="0"/>
+                  <a:sym typeface="Arial" panose="020B0604020202020204" pitchFamily="34" charset="0"/>
                 </a:rPr>
                 <a:t>）</a:t>
               </a:r>
@@ -22582,9 +22582,9 @@
                     <a:lumMod val="65000"/>
                   </a:schemeClr>
                 </a:solidFill>
-                <a:latin typeface="Arial" panose="020B0604020202090204" pitchFamily="34" charset="0"/>
+                <a:latin typeface="Arial" panose="020B0604020202020204" pitchFamily="34" charset="0"/>
                 <a:ea typeface="微软雅黑" panose="020B0503020204020204" pitchFamily="34" charset="-122"/>
-                <a:sym typeface="Arial" panose="020B0604020202090204" pitchFamily="34" charset="0"/>
+                <a:sym typeface="Arial" panose="020B0604020202020204" pitchFamily="34" charset="0"/>
               </a:endParaRPr>
             </a:p>
           </p:txBody>
@@ -23298,9 +23298,9 @@
                       <a:lumMod val="65000"/>
                     </a:schemeClr>
                   </a:solidFill>
-                  <a:latin typeface="Arial" panose="020B0604020202090204" pitchFamily="34" charset="0"/>
+                  <a:latin typeface="Arial" panose="020B0604020202020204" pitchFamily="34" charset="0"/>
                   <a:ea typeface="微软雅黑" panose="020B0503020204020204" pitchFamily="34" charset="-122"/>
-                  <a:sym typeface="Arial" panose="020B0604020202090204" pitchFamily="34" charset="0"/>
+                  <a:sym typeface="Arial" panose="020B0604020202020204" pitchFamily="34" charset="0"/>
                 </a:rPr>
                 <a:t>统一的工单系统方便流程化</a:t>
               </a:r>
@@ -23310,9 +23310,9 @@
                     <a:lumMod val="65000"/>
                   </a:schemeClr>
                 </a:solidFill>
-                <a:latin typeface="Arial" panose="020B0604020202090204" pitchFamily="34" charset="0"/>
+                <a:latin typeface="Arial" panose="020B0604020202020204" pitchFamily="34" charset="0"/>
                 <a:ea typeface="微软雅黑" panose="020B0503020204020204" pitchFamily="34" charset="-122"/>
-                <a:sym typeface="Arial" panose="020B0604020202090204" pitchFamily="34" charset="0"/>
+                <a:sym typeface="Arial" panose="020B0604020202020204" pitchFamily="34" charset="0"/>
               </a:endParaRPr>
             </a:p>
             <a:p>
@@ -23328,9 +23328,9 @@
                       <a:lumMod val="65000"/>
                     </a:schemeClr>
                   </a:solidFill>
-                  <a:latin typeface="Arial" panose="020B0604020202090204" pitchFamily="34" charset="0"/>
+                  <a:latin typeface="Arial" panose="020B0604020202020204" pitchFamily="34" charset="0"/>
                   <a:ea typeface="微软雅黑" panose="020B0503020204020204" pitchFamily="34" charset="-122"/>
-                  <a:sym typeface="Arial" panose="020B0604020202090204" pitchFamily="34" charset="0"/>
+                  <a:sym typeface="Arial" panose="020B0604020202020204" pitchFamily="34" charset="0"/>
                 </a:rPr>
                 <a:t>平台化的内部系统</a:t>
               </a:r>
@@ -23340,9 +23340,9 @@
                     <a:lumMod val="65000"/>
                   </a:schemeClr>
                 </a:solidFill>
-                <a:latin typeface="Arial" panose="020B0604020202090204" pitchFamily="34" charset="0"/>
+                <a:latin typeface="Arial" panose="020B0604020202020204" pitchFamily="34" charset="0"/>
                 <a:ea typeface="微软雅黑" panose="020B0503020204020204" pitchFamily="34" charset="-122"/>
-                <a:sym typeface="Arial" panose="020B0604020202090204" pitchFamily="34" charset="0"/>
+                <a:sym typeface="Arial" panose="020B0604020202020204" pitchFamily="34" charset="0"/>
               </a:endParaRPr>
             </a:p>
           </p:txBody>
@@ -23969,9 +23969,9 @@
                       <a:lumMod val="65000"/>
                     </a:schemeClr>
                   </a:solidFill>
-                  <a:latin typeface="Arial" panose="020B0604020202090204" pitchFamily="34" charset="0"/>
+                  <a:latin typeface="Arial" panose="020B0604020202020204" pitchFamily="34" charset="0"/>
                   <a:ea typeface="微软雅黑" panose="020B0503020204020204" pitchFamily="34" charset="-122"/>
-                  <a:sym typeface="Arial" panose="020B0604020202090204" pitchFamily="34" charset="0"/>
+                  <a:sym typeface="Arial" panose="020B0604020202020204" pitchFamily="34" charset="0"/>
                 </a:rPr>
                 <a:t>完成前后端分离的新运营后台及其他类似的平台、可以快速应用</a:t>
               </a:r>
@@ -23981,9 +23981,9 @@
                     <a:lumMod val="65000"/>
                   </a:schemeClr>
                 </a:solidFill>
-                <a:latin typeface="Arial" panose="020B0604020202090204" pitchFamily="34" charset="0"/>
+                <a:latin typeface="Arial" panose="020B0604020202020204" pitchFamily="34" charset="0"/>
                 <a:ea typeface="微软雅黑" panose="020B0503020204020204" pitchFamily="34" charset="-122"/>
-                <a:sym typeface="Arial" panose="020B0604020202090204" pitchFamily="34" charset="0"/>
+                <a:sym typeface="Arial" panose="020B0604020202020204" pitchFamily="34" charset="0"/>
               </a:endParaRPr>
             </a:p>
           </p:txBody>
@@ -25014,7 +25014,7 @@
               <a:spcBef>
                 <a:spcPct val="20000"/>
               </a:spcBef>
-              <a:buFont typeface="Arial" panose="020B0604020202090204" pitchFamily="34" charset="0"/>
+              <a:buFont typeface="Arial" panose="020B0604020202020204" pitchFamily="34" charset="0"/>
               <a:buChar char="•"/>
               <a:defRPr sz="3200">
                 <a:solidFill>
@@ -25029,7 +25029,7 @@
               <a:spcBef>
                 <a:spcPct val="20000"/>
               </a:spcBef>
-              <a:buFont typeface="Arial" panose="020B0604020202090204" pitchFamily="34" charset="0"/>
+              <a:buFont typeface="Arial" panose="020B0604020202020204" pitchFamily="34" charset="0"/>
               <a:buChar char="–"/>
               <a:defRPr sz="2800">
                 <a:solidFill>
@@ -25044,7 +25044,7 @@
               <a:spcBef>
                 <a:spcPct val="20000"/>
               </a:spcBef>
-              <a:buFont typeface="Arial" panose="020B0604020202090204" pitchFamily="34" charset="0"/>
+              <a:buFont typeface="Arial" panose="020B0604020202020204" pitchFamily="34" charset="0"/>
               <a:buChar char="•"/>
               <a:defRPr sz="2400">
                 <a:solidFill>
@@ -25059,7 +25059,7 @@
               <a:spcBef>
                 <a:spcPct val="20000"/>
               </a:spcBef>
-              <a:buFont typeface="Arial" panose="020B0604020202090204" pitchFamily="34" charset="0"/>
+              <a:buFont typeface="Arial" panose="020B0604020202020204" pitchFamily="34" charset="0"/>
               <a:buChar char="–"/>
               <a:defRPr sz="2000">
                 <a:solidFill>
@@ -25074,7 +25074,7 @@
               <a:spcBef>
                 <a:spcPct val="20000"/>
               </a:spcBef>
-              <a:buFont typeface="Arial" panose="020B0604020202090204" pitchFamily="34" charset="0"/>
+              <a:buFont typeface="Arial" panose="020B0604020202020204" pitchFamily="34" charset="0"/>
               <a:buChar char="»"/>
               <a:defRPr sz="2000">
                 <a:solidFill>
@@ -25092,7 +25092,7 @@
               <a:spcAft>
                 <a:spcPct val="0"/>
               </a:spcAft>
-              <a:buFont typeface="Arial" panose="020B0604020202090204" pitchFamily="34" charset="0"/>
+              <a:buFont typeface="Arial" panose="020B0604020202020204" pitchFamily="34" charset="0"/>
               <a:buChar char="»"/>
               <a:defRPr sz="2000">
                 <a:solidFill>
@@ -25110,7 +25110,7 @@
               <a:spcAft>
                 <a:spcPct val="0"/>
               </a:spcAft>
-              <a:buFont typeface="Arial" panose="020B0604020202090204" pitchFamily="34" charset="0"/>
+              <a:buFont typeface="Arial" panose="020B0604020202020204" pitchFamily="34" charset="0"/>
               <a:buChar char="»"/>
               <a:defRPr sz="2000">
                 <a:solidFill>
@@ -25128,7 +25128,7 @@
               <a:spcAft>
                 <a:spcPct val="0"/>
               </a:spcAft>
-              <a:buFont typeface="Arial" panose="020B0604020202090204" pitchFamily="34" charset="0"/>
+              <a:buFont typeface="Arial" panose="020B0604020202020204" pitchFamily="34" charset="0"/>
               <a:buChar char="»"/>
               <a:defRPr sz="2000">
                 <a:solidFill>
@@ -25146,7 +25146,7 @@
               <a:spcAft>
                 <a:spcPct val="0"/>
               </a:spcAft>
-              <a:buFont typeface="Arial" panose="020B0604020202090204" pitchFamily="34" charset="0"/>
+              <a:buFont typeface="Arial" panose="020B0604020202020204" pitchFamily="34" charset="0"/>
               <a:buChar char="»"/>
               <a:defRPr sz="2000">
                 <a:solidFill>
@@ -25168,7 +25168,7 @@
                   <a:schemeClr val="accent1"/>
                 </a:solidFill>
                 <a:latin typeface="Impact" panose="020B0806030902050204" pitchFamily="34" charset="0"/>
-                <a:cs typeface="Arial" panose="020B0604020202090204" pitchFamily="34" charset="0"/>
+                <a:cs typeface="Arial" panose="020B0604020202020204" pitchFamily="34" charset="0"/>
               </a:rPr>
               <a:t>04</a:t>
             </a:r>
@@ -25177,7 +25177,7 @@
                 <a:schemeClr val="accent1"/>
               </a:solidFill>
               <a:latin typeface="Impact" panose="020B0806030902050204" pitchFamily="34" charset="0"/>
-              <a:cs typeface="Arial" panose="020B0604020202090204" pitchFamily="34" charset="0"/>
+              <a:cs typeface="Arial" panose="020B0604020202020204" pitchFamily="34" charset="0"/>
             </a:endParaRPr>
           </a:p>
         </p:txBody>
@@ -28018,7 +28018,7 @@
           </a:bodyPr>
           <a:p>
             <a:pPr marL="285750" lvl="0" indent="-285750">
-              <a:buFont typeface="Arial" panose="020B0604020202090204" pitchFamily="34" charset="0"/>
+              <a:buFont typeface="Arial" panose="020B0604020202020204" pitchFamily="34" charset="0"/>
               <a:buChar char="•"/>
             </a:pPr>
             <a:r>
@@ -28029,7 +28029,7 @@
           </a:p>
           <a:p>
             <a:pPr marL="285750" lvl="0" indent="-285750">
-              <a:buFont typeface="Arial" panose="020B0604020202090204" pitchFamily="34" charset="0"/>
+              <a:buFont typeface="Arial" panose="020B0604020202020204" pitchFamily="34" charset="0"/>
               <a:buChar char="•"/>
             </a:pPr>
             <a:r>
@@ -28040,7 +28040,7 @@
           </a:p>
           <a:p>
             <a:pPr marL="285750" lvl="0" indent="-285750">
-              <a:buFont typeface="Arial" panose="020B0604020202090204" pitchFamily="34" charset="0"/>
+              <a:buFont typeface="Arial" panose="020B0604020202020204" pitchFamily="34" charset="0"/>
               <a:buChar char="•"/>
             </a:pPr>
             <a:r>
@@ -28198,7 +28198,7 @@
               <a:spcBef>
                 <a:spcPct val="20000"/>
               </a:spcBef>
-              <a:buFont typeface="Arial" panose="020B0604020202090204" pitchFamily="34" charset="0"/>
+              <a:buFont typeface="Arial" panose="020B0604020202020204" pitchFamily="34" charset="0"/>
               <a:buChar char="•"/>
               <a:defRPr sz="3200">
                 <a:solidFill>
@@ -28213,7 +28213,7 @@
               <a:spcBef>
                 <a:spcPct val="20000"/>
               </a:spcBef>
-              <a:buFont typeface="Arial" panose="020B0604020202090204" pitchFamily="34" charset="0"/>
+              <a:buFont typeface="Arial" panose="020B0604020202020204" pitchFamily="34" charset="0"/>
               <a:buChar char="–"/>
               <a:defRPr sz="2800">
                 <a:solidFill>
@@ -28228,7 +28228,7 @@
               <a:spcBef>
                 <a:spcPct val="20000"/>
               </a:spcBef>
-              <a:buFont typeface="Arial" panose="020B0604020202090204" pitchFamily="34" charset="0"/>
+              <a:buFont typeface="Arial" panose="020B0604020202020204" pitchFamily="34" charset="0"/>
               <a:buChar char="•"/>
               <a:defRPr sz="2400">
                 <a:solidFill>
@@ -28243,7 +28243,7 @@
               <a:spcBef>
                 <a:spcPct val="20000"/>
               </a:spcBef>
-              <a:buFont typeface="Arial" panose="020B0604020202090204" pitchFamily="34" charset="0"/>
+              <a:buFont typeface="Arial" panose="020B0604020202020204" pitchFamily="34" charset="0"/>
               <a:buChar char="–"/>
               <a:defRPr sz="2000">
                 <a:solidFill>
@@ -28258,7 +28258,7 @@
               <a:spcBef>
                 <a:spcPct val="20000"/>
               </a:spcBef>
-              <a:buFont typeface="Arial" panose="020B0604020202090204" pitchFamily="34" charset="0"/>
+              <a:buFont typeface="Arial" panose="020B0604020202020204" pitchFamily="34" charset="0"/>
               <a:buChar char="»"/>
               <a:defRPr sz="2000">
                 <a:solidFill>
@@ -28276,7 +28276,7 @@
               <a:spcAft>
                 <a:spcPct val="0"/>
               </a:spcAft>
-              <a:buFont typeface="Arial" panose="020B0604020202090204" pitchFamily="34" charset="0"/>
+              <a:buFont typeface="Arial" panose="020B0604020202020204" pitchFamily="34" charset="0"/>
               <a:buChar char="»"/>
               <a:defRPr sz="2000">
                 <a:solidFill>
@@ -28294,7 +28294,7 @@
               <a:spcAft>
                 <a:spcPct val="0"/>
               </a:spcAft>
-              <a:buFont typeface="Arial" panose="020B0604020202090204" pitchFamily="34" charset="0"/>
+              <a:buFont typeface="Arial" panose="020B0604020202020204" pitchFamily="34" charset="0"/>
               <a:buChar char="»"/>
               <a:defRPr sz="2000">
                 <a:solidFill>
@@ -28312,7 +28312,7 @@
               <a:spcAft>
                 <a:spcPct val="0"/>
               </a:spcAft>
-              <a:buFont typeface="Arial" panose="020B0604020202090204" pitchFamily="34" charset="0"/>
+              <a:buFont typeface="Arial" panose="020B0604020202020204" pitchFamily="34" charset="0"/>
               <a:buChar char="»"/>
               <a:defRPr sz="2000">
                 <a:solidFill>
@@ -28330,7 +28330,7 @@
               <a:spcAft>
                 <a:spcPct val="0"/>
               </a:spcAft>
-              <a:buFont typeface="Arial" panose="020B0604020202090204" pitchFamily="34" charset="0"/>
+              <a:buFont typeface="Arial" panose="020B0604020202020204" pitchFamily="34" charset="0"/>
               <a:buChar char="»"/>
               <a:defRPr sz="2000">
                 <a:solidFill>
@@ -28352,7 +28352,7 @@
                   <a:schemeClr val="accent1"/>
                 </a:solidFill>
                 <a:latin typeface="Impact" panose="020B0806030902050204" pitchFamily="34" charset="0"/>
-                <a:cs typeface="Arial" panose="020B0604020202090204" pitchFamily="34" charset="0"/>
+                <a:cs typeface="Arial" panose="020B0604020202020204" pitchFamily="34" charset="0"/>
               </a:rPr>
               <a:t>05</a:t>
             </a:r>
@@ -28361,7 +28361,7 @@
                 <a:schemeClr val="accent1"/>
               </a:solidFill>
               <a:latin typeface="Impact" panose="020B0806030902050204" pitchFamily="34" charset="0"/>
-              <a:cs typeface="Arial" panose="020B0604020202090204" pitchFamily="34" charset="0"/>
+              <a:cs typeface="Arial" panose="020B0604020202020204" pitchFamily="34" charset="0"/>
             </a:endParaRPr>
           </a:p>
         </p:txBody>
@@ -29948,7 +29948,7 @@
               <a:spcBef>
                 <a:spcPct val="20000"/>
               </a:spcBef>
-              <a:buFont typeface="Arial" panose="020B0604020202090204" pitchFamily="34" charset="0"/>
+              <a:buFont typeface="Arial" panose="020B0604020202020204" pitchFamily="34" charset="0"/>
               <a:buChar char="•"/>
               <a:defRPr sz="3200">
                 <a:solidFill>
@@ -29963,7 +29963,7 @@
               <a:spcBef>
                 <a:spcPct val="20000"/>
               </a:spcBef>
-              <a:buFont typeface="Arial" panose="020B0604020202090204" pitchFamily="34" charset="0"/>
+              <a:buFont typeface="Arial" panose="020B0604020202020204" pitchFamily="34" charset="0"/>
               <a:buChar char="–"/>
               <a:defRPr sz="2800">
                 <a:solidFill>
@@ -29978,7 +29978,7 @@
               <a:spcBef>
                 <a:spcPct val="20000"/>
               </a:spcBef>
-              <a:buFont typeface="Arial" panose="020B0604020202090204" pitchFamily="34" charset="0"/>
+              <a:buFont typeface="Arial" panose="020B0604020202020204" pitchFamily="34" charset="0"/>
               <a:buChar char="•"/>
               <a:defRPr sz="2400">
                 <a:solidFill>
@@ -29993,7 +29993,7 @@
               <a:spcBef>
                 <a:spcPct val="20000"/>
               </a:spcBef>
-              <a:buFont typeface="Arial" panose="020B0604020202090204" pitchFamily="34" charset="0"/>
+              <a:buFont typeface="Arial" panose="020B0604020202020204" pitchFamily="34" charset="0"/>
               <a:buChar char="–"/>
               <a:defRPr sz="2000">
                 <a:solidFill>
@@ -30008,7 +30008,7 @@
               <a:spcBef>
                 <a:spcPct val="20000"/>
               </a:spcBef>
-              <a:buFont typeface="Arial" panose="020B0604020202090204" pitchFamily="34" charset="0"/>
+              <a:buFont typeface="Arial" panose="020B0604020202020204" pitchFamily="34" charset="0"/>
               <a:buChar char="»"/>
               <a:defRPr sz="2000">
                 <a:solidFill>
@@ -30026,7 +30026,7 @@
               <a:spcAft>
                 <a:spcPct val="0"/>
               </a:spcAft>
-              <a:buFont typeface="Arial" panose="020B0604020202090204" pitchFamily="34" charset="0"/>
+              <a:buFont typeface="Arial" panose="020B0604020202020204" pitchFamily="34" charset="0"/>
               <a:buChar char="»"/>
               <a:defRPr sz="2000">
                 <a:solidFill>
@@ -30044,7 +30044,7 @@
               <a:spcAft>
                 <a:spcPct val="0"/>
               </a:spcAft>
-              <a:buFont typeface="Arial" panose="020B0604020202090204" pitchFamily="34" charset="0"/>
+              <a:buFont typeface="Arial" panose="020B0604020202020204" pitchFamily="34" charset="0"/>
               <a:buChar char="»"/>
               <a:defRPr sz="2000">
                 <a:solidFill>
@@ -30062,7 +30062,7 @@
               <a:spcAft>
                 <a:spcPct val="0"/>
               </a:spcAft>
-              <a:buFont typeface="Arial" panose="020B0604020202090204" pitchFamily="34" charset="0"/>
+              <a:buFont typeface="Arial" panose="020B0604020202020204" pitchFamily="34" charset="0"/>
               <a:buChar char="»"/>
               <a:defRPr sz="2000">
                 <a:solidFill>
@@ -30080,7 +30080,7 @@
               <a:spcAft>
                 <a:spcPct val="0"/>
               </a:spcAft>
-              <a:buFont typeface="Arial" panose="020B0604020202090204" pitchFamily="34" charset="0"/>
+              <a:buFont typeface="Arial" panose="020B0604020202020204" pitchFamily="34" charset="0"/>
               <a:buChar char="»"/>
               <a:defRPr sz="2000">
                 <a:solidFill>
@@ -30108,8 +30108,8 @@
                     </a:srgbClr>
                   </a:outerShdw>
                 </a:effectLst>
-                <a:latin typeface="Arial" panose="020B0604020202090204" pitchFamily="34" charset="0"/>
-                <a:cs typeface="Arial" panose="020B0604020202090204" pitchFamily="34" charset="0"/>
+                <a:latin typeface="Arial" panose="020B0604020202020204" pitchFamily="34" charset="0"/>
+                <a:cs typeface="Arial" panose="020B0604020202020204" pitchFamily="34" charset="0"/>
               </a:rPr>
               <a:t>谢谢</a:t>
             </a:r>
@@ -30124,8 +30124,8 @@
                   </a:srgbClr>
                 </a:outerShdw>
               </a:effectLst>
-              <a:latin typeface="Arial" panose="020B0604020202090204" pitchFamily="34" charset="0"/>
-              <a:cs typeface="Arial" panose="020B0604020202090204" pitchFamily="34" charset="0"/>
+              <a:latin typeface="Arial" panose="020B0604020202020204" pitchFamily="34" charset="0"/>
+              <a:cs typeface="Arial" panose="020B0604020202020204" pitchFamily="34" charset="0"/>
             </a:endParaRPr>
           </a:p>
         </p:txBody>
@@ -30295,7 +30295,7 @@
               <a:spcBef>
                 <a:spcPct val="20000"/>
               </a:spcBef>
-              <a:buFont typeface="Arial" panose="020B0604020202090204" pitchFamily="34" charset="0"/>
+              <a:buFont typeface="Arial" panose="020B0604020202020204" pitchFamily="34" charset="0"/>
               <a:buChar char="•"/>
               <a:defRPr sz="3200">
                 <a:solidFill>
@@ -30310,7 +30310,7 @@
               <a:spcBef>
                 <a:spcPct val="20000"/>
               </a:spcBef>
-              <a:buFont typeface="Arial" panose="020B0604020202090204" pitchFamily="34" charset="0"/>
+              <a:buFont typeface="Arial" panose="020B0604020202020204" pitchFamily="34" charset="0"/>
               <a:buChar char="–"/>
               <a:defRPr sz="2800">
                 <a:solidFill>
@@ -30325,7 +30325,7 @@
               <a:spcBef>
                 <a:spcPct val="20000"/>
               </a:spcBef>
-              <a:buFont typeface="Arial" panose="020B0604020202090204" pitchFamily="34" charset="0"/>
+              <a:buFont typeface="Arial" panose="020B0604020202020204" pitchFamily="34" charset="0"/>
               <a:buChar char="•"/>
               <a:defRPr sz="2400">
                 <a:solidFill>
@@ -30340,7 +30340,7 @@
               <a:spcBef>
                 <a:spcPct val="20000"/>
               </a:spcBef>
-              <a:buFont typeface="Arial" panose="020B0604020202090204" pitchFamily="34" charset="0"/>
+              <a:buFont typeface="Arial" panose="020B0604020202020204" pitchFamily="34" charset="0"/>
               <a:buChar char="–"/>
               <a:defRPr sz="2000">
                 <a:solidFill>
@@ -30355,7 +30355,7 @@
               <a:spcBef>
                 <a:spcPct val="20000"/>
               </a:spcBef>
-              <a:buFont typeface="Arial" panose="020B0604020202090204" pitchFamily="34" charset="0"/>
+              <a:buFont typeface="Arial" panose="020B0604020202020204" pitchFamily="34" charset="0"/>
               <a:buChar char="»"/>
               <a:defRPr sz="2000">
                 <a:solidFill>
@@ -30373,7 +30373,7 @@
               <a:spcAft>
                 <a:spcPct val="0"/>
               </a:spcAft>
-              <a:buFont typeface="Arial" panose="020B0604020202090204" pitchFamily="34" charset="0"/>
+              <a:buFont typeface="Arial" panose="020B0604020202020204" pitchFamily="34" charset="0"/>
               <a:buChar char="»"/>
               <a:defRPr sz="2000">
                 <a:solidFill>
@@ -30391,7 +30391,7 @@
               <a:spcAft>
                 <a:spcPct val="0"/>
               </a:spcAft>
-              <a:buFont typeface="Arial" panose="020B0604020202090204" pitchFamily="34" charset="0"/>
+              <a:buFont typeface="Arial" panose="020B0604020202020204" pitchFamily="34" charset="0"/>
               <a:buChar char="»"/>
               <a:defRPr sz="2000">
                 <a:solidFill>
@@ -30409,7 +30409,7 @@
               <a:spcAft>
                 <a:spcPct val="0"/>
               </a:spcAft>
-              <a:buFont typeface="Arial" panose="020B0604020202090204" pitchFamily="34" charset="0"/>
+              <a:buFont typeface="Arial" panose="020B0604020202020204" pitchFamily="34" charset="0"/>
               <a:buChar char="»"/>
               <a:defRPr sz="2000">
                 <a:solidFill>
@@ -30427,7 +30427,7 @@
               <a:spcAft>
                 <a:spcPct val="0"/>
               </a:spcAft>
-              <a:buFont typeface="Arial" panose="020B0604020202090204" pitchFamily="34" charset="0"/>
+              <a:buFont typeface="Arial" panose="020B0604020202020204" pitchFamily="34" charset="0"/>
               <a:buChar char="»"/>
               <a:defRPr sz="2000">
                 <a:solidFill>
@@ -30449,7 +30449,7 @@
                   <a:schemeClr val="accent1"/>
                 </a:solidFill>
                 <a:latin typeface="Impact" panose="020B0806030902050204" pitchFamily="34" charset="0"/>
-                <a:cs typeface="Arial" panose="020B0604020202090204" pitchFamily="34" charset="0"/>
+                <a:cs typeface="Arial" panose="020B0604020202020204" pitchFamily="34" charset="0"/>
               </a:rPr>
               <a:t>01</a:t>
             </a:r>
@@ -30458,7 +30458,7 @@
                 <a:schemeClr val="accent1"/>
               </a:solidFill>
               <a:latin typeface="Impact" panose="020B0806030902050204" pitchFamily="34" charset="0"/>
-              <a:cs typeface="Arial" panose="020B0604020202090204" pitchFamily="34" charset="0"/>
+              <a:cs typeface="Arial" panose="020B0604020202020204" pitchFamily="34" charset="0"/>
             </a:endParaRPr>
           </a:p>
         </p:txBody>
